--- a/非受控文档/06-公用/PRD2018-G11-UML结构.pptx
+++ b/非受控文档/06-公用/PRD2018-G11-UML结构.pptx
@@ -8,7 +8,7 @@
     <p:notesMasterId r:id="rId4"/>
   </p:notesMasterIdLst>
   <p:handoutMasterIdLst>
-    <p:handoutMasterId r:id="rId24"/>
+    <p:handoutMasterId r:id="rId23"/>
   </p:handoutMasterIdLst>
   <p:sldIdLst>
     <p:sldId id="370" r:id="rId3"/>
@@ -19,18 +19,17 @@
     <p:sldId id="450" r:id="rId9"/>
     <p:sldId id="437" r:id="rId10"/>
     <p:sldId id="456" r:id="rId11"/>
-    <p:sldId id="480" r:id="rId12"/>
-    <p:sldId id="472" r:id="rId13"/>
-    <p:sldId id="473" r:id="rId14"/>
-    <p:sldId id="474" r:id="rId15"/>
-    <p:sldId id="475" r:id="rId16"/>
-    <p:sldId id="476" r:id="rId17"/>
-    <p:sldId id="477" r:id="rId18"/>
-    <p:sldId id="478" r:id="rId19"/>
-    <p:sldId id="481" r:id="rId20"/>
-    <p:sldId id="482" r:id="rId21"/>
-    <p:sldId id="455" r:id="rId22"/>
-    <p:sldId id="436" r:id="rId23"/>
+    <p:sldId id="472" r:id="rId12"/>
+    <p:sldId id="473" r:id="rId13"/>
+    <p:sldId id="474" r:id="rId14"/>
+    <p:sldId id="475" r:id="rId15"/>
+    <p:sldId id="476" r:id="rId16"/>
+    <p:sldId id="477" r:id="rId17"/>
+    <p:sldId id="478" r:id="rId18"/>
+    <p:sldId id="481" r:id="rId19"/>
+    <p:sldId id="482" r:id="rId20"/>
+    <p:sldId id="455" r:id="rId21"/>
+    <p:sldId id="436" r:id="rId22"/>
   </p:sldIdLst>
   <p:sldSz cx="12190095" cy="6859270"/>
   <p:notesSz cx="6858000" cy="9144000"/>
@@ -4592,7 +4591,7 @@
             </a:r>
             <a:r>
               <a:rPr lang="zh-CN" altLang="en-US" sz="3200" dirty="0"/>
-              <a:t>结构事物（列举三个）</a:t>
+              <a:t>行为事物</a:t>
             </a:r>
             <a:endParaRPr lang="zh-CN" altLang="en-US" sz="3200" dirty="0"/>
           </a:p>
@@ -4623,18 +4622,173 @@
               <a:t>1.</a:t>
             </a:r>
             <a:r>
+              <a:rPr sz="2400" dirty="0"/>
+              <a:t>交互（interaction）</a:t>
+            </a:r>
+            <a:endParaRPr sz="2400" dirty="0"/>
+          </a:p>
+        </p:txBody>
+      </p:sp>
+      <p:sp>
+        <p:nvSpPr>
+          <p:cNvPr id="7" name="矩形 6"/>
+          <p:cNvSpPr/>
+          <p:nvPr/>
+        </p:nvSpPr>
+        <p:spPr>
+          <a:xfrm>
+            <a:off x="4389120" y="1497965"/>
+            <a:ext cx="5285105" cy="460375"/>
+          </a:xfrm>
+          <a:prstGeom prst="rect">
+            <a:avLst/>
+          </a:prstGeom>
+        </p:spPr>
+        <p:txBody>
+          <a:bodyPr wrap="square">
+            <a:spAutoFit/>
+          </a:bodyPr>
+          <a:p>
+            <a:r>
+              <a:rPr lang="en-US" sz="2400" dirty="0"/>
+              <a:t>2.</a:t>
+            </a:r>
+            <a:r>
+              <a:rPr sz="2400" dirty="0"/>
+              <a:t>状态机（state machine）</a:t>
+            </a:r>
+            <a:endParaRPr sz="2400" dirty="0"/>
+          </a:p>
+        </p:txBody>
+      </p:sp>
+      <p:sp>
+        <p:nvSpPr>
+          <p:cNvPr id="11" name="矩形 10"/>
+          <p:cNvSpPr/>
+          <p:nvPr/>
+        </p:nvSpPr>
+        <p:spPr>
+          <a:xfrm>
+            <a:off x="8034020" y="1497965"/>
+            <a:ext cx="3408680" cy="460375"/>
+          </a:xfrm>
+          <a:prstGeom prst="rect">
+            <a:avLst/>
+          </a:prstGeom>
+        </p:spPr>
+        <p:txBody>
+          <a:bodyPr wrap="square">
+            <a:spAutoFit/>
+          </a:bodyPr>
+          <a:p>
+            <a:r>
+              <a:rPr lang="en-US" sz="2400" dirty="0"/>
+              <a:t>3.</a:t>
+            </a:r>
+            <a:r>
               <a:rPr lang="zh-CN" altLang="en-US" sz="2400" dirty="0"/>
-              <a:t>类（</a:t>
-            </a:r>
-            <a:r>
-              <a:rPr lang="en-US" altLang="zh-CN" sz="2400" dirty="0"/>
-              <a:t>class</a:t>
-            </a:r>
-            <a:r>
-              <a:rPr lang="zh-CN" altLang="en-US" sz="2400" dirty="0"/>
+              <a:t>活动</a:t>
+            </a:r>
+            <a:r>
+              <a:rPr sz="2400" dirty="0"/>
+              <a:t>（</a:t>
+            </a:r>
+            <a:r>
+              <a:rPr lang="en-US" sz="2400" dirty="0"/>
+              <a:t>activity</a:t>
+            </a:r>
+            <a:r>
+              <a:rPr sz="2400" dirty="0"/>
               <a:t>）</a:t>
             </a:r>
-            <a:endParaRPr lang="zh-CN" altLang="en-US" sz="2400" dirty="0"/>
+            <a:endParaRPr sz="2400" dirty="0"/>
+          </a:p>
+        </p:txBody>
+      </p:sp>
+      <p:sp>
+        <p:nvSpPr>
+          <p:cNvPr id="13" name="文本框 12"/>
+          <p:cNvSpPr txBox="1"/>
+          <p:nvPr/>
+        </p:nvSpPr>
+        <p:spPr>
+          <a:xfrm>
+            <a:off x="1040765" y="3610610"/>
+            <a:ext cx="2540000" cy="2999740"/>
+          </a:xfrm>
+          <a:prstGeom prst="rect">
+            <a:avLst/>
+          </a:prstGeom>
+          <a:noFill/>
+        </p:spPr>
+        <p:txBody>
+          <a:bodyPr wrap="square" rtlCol="0" anchor="t">
+            <a:spAutoFit/>
+          </a:bodyPr>
+          <a:p>
+            <a:r>
+              <a:rPr lang="zh-CN" altLang="en-US"/>
+              <a:t>交互这样一种行为，他由在特定语境中共同完成一定特定任务的一组对象之间交换的消息组成。一个对象群体的行为或单个操作的行为可用一个交互来描述</a:t>
+            </a:r>
+            <a:endParaRPr lang="zh-CN" altLang="en-US"/>
+          </a:p>
+        </p:txBody>
+      </p:sp>
+      <p:sp>
+        <p:nvSpPr>
+          <p:cNvPr id="14" name="文本框 13"/>
+          <p:cNvSpPr txBox="1"/>
+          <p:nvPr/>
+        </p:nvSpPr>
+        <p:spPr>
+          <a:xfrm>
+            <a:off x="4500880" y="3851910"/>
+            <a:ext cx="3533140" cy="2999740"/>
+          </a:xfrm>
+          <a:prstGeom prst="rect">
+            <a:avLst/>
+          </a:prstGeom>
+          <a:noFill/>
+        </p:spPr>
+        <p:txBody>
+          <a:bodyPr wrap="square" rtlCol="0" anchor="t">
+            <a:spAutoFit/>
+          </a:bodyPr>
+          <a:p>
+            <a:r>
+              <a:rPr lang="zh-CN" altLang="en-US"/>
+              <a:t>状态机是这样一种行为，描述了一个对象或一个交互在生命期内响应事件所经历的状态序列。单个类或一组类之间协作的行为可以用状态机来描述。一个状态机涉及到一些其他元素，包括状态转换（发转换的事物）和活动（对一个转换的响应）</a:t>
+            </a:r>
+            <a:endParaRPr lang="zh-CN" altLang="en-US"/>
+          </a:p>
+        </p:txBody>
+      </p:sp>
+      <p:sp>
+        <p:nvSpPr>
+          <p:cNvPr id="15" name="文本框 14"/>
+          <p:cNvSpPr txBox="1"/>
+          <p:nvPr/>
+        </p:nvSpPr>
+        <p:spPr>
+          <a:xfrm>
+            <a:off x="8371205" y="4013835"/>
+            <a:ext cx="3237230" cy="1706880"/>
+          </a:xfrm>
+          <a:prstGeom prst="rect">
+            <a:avLst/>
+          </a:prstGeom>
+          <a:noFill/>
+        </p:spPr>
+        <p:txBody>
+          <a:bodyPr wrap="square" rtlCol="0" anchor="t">
+            <a:spAutoFit/>
+          </a:bodyPr>
+          <a:p>
+            <a:r>
+              <a:rPr lang="zh-CN" altLang="en-US"/>
+              <a:t>活动是这样一种行为，他描述了计算过程执行的步骤序列。注重的是步骤之间的流而不关心哪个对象执行哪个步骤。</a:t>
+            </a:r>
+            <a:endParaRPr lang="zh-CN" altLang="en-US"/>
           </a:p>
         </p:txBody>
       </p:sp>
@@ -4654,46 +4808,14 @@
         </p:blipFill>
         <p:spPr>
           <a:xfrm>
-            <a:off x="1395095" y="2668270"/>
-            <a:ext cx="2059940" cy="1828800"/>
+            <a:off x="1238250" y="2566035"/>
+            <a:ext cx="2748280" cy="756920"/>
           </a:xfrm>
           <a:prstGeom prst="rect">
             <a:avLst/>
           </a:prstGeom>
         </p:spPr>
       </p:pic>
-      <p:sp>
-        <p:nvSpPr>
-          <p:cNvPr id="7" name="矩形 6"/>
-          <p:cNvSpPr/>
-          <p:nvPr/>
-        </p:nvSpPr>
-        <p:spPr>
-          <a:xfrm>
-            <a:off x="4056380" y="1497965"/>
-            <a:ext cx="5285105" cy="460375"/>
-          </a:xfrm>
-          <a:prstGeom prst="rect">
-            <a:avLst/>
-          </a:prstGeom>
-        </p:spPr>
-        <p:txBody>
-          <a:bodyPr wrap="square">
-            <a:spAutoFit/>
-          </a:bodyPr>
-          <a:p>
-            <a:r>
-              <a:rPr lang="en-US" sz="2400" dirty="0"/>
-              <a:t>2.</a:t>
-            </a:r>
-            <a:r>
-              <a:rPr sz="2400" dirty="0"/>
-              <a:t>接口（interface）</a:t>
-            </a:r>
-            <a:endParaRPr lang="zh-CN" altLang="en-US" sz="2400" dirty="0"/>
-          </a:p>
-        </p:txBody>
-      </p:sp>
       <p:pic>
         <p:nvPicPr>
           <p:cNvPr id="10" name="图片 9"/>
@@ -4710,46 +4832,14 @@
         </p:blipFill>
         <p:spPr>
           <a:xfrm>
-            <a:off x="4389120" y="2620645"/>
-            <a:ext cx="2980690" cy="1876425"/>
+            <a:off x="5280660" y="2374900"/>
+            <a:ext cx="1973580" cy="1346835"/>
           </a:xfrm>
           <a:prstGeom prst="rect">
             <a:avLst/>
           </a:prstGeom>
         </p:spPr>
       </p:pic>
-      <p:sp>
-        <p:nvSpPr>
-          <p:cNvPr id="11" name="矩形 10"/>
-          <p:cNvSpPr/>
-          <p:nvPr/>
-        </p:nvSpPr>
-        <p:spPr>
-          <a:xfrm>
-            <a:off x="8034020" y="1497965"/>
-            <a:ext cx="3408680" cy="460375"/>
-          </a:xfrm>
-          <a:prstGeom prst="rect">
-            <a:avLst/>
-          </a:prstGeom>
-        </p:spPr>
-        <p:txBody>
-          <a:bodyPr wrap="square">
-            <a:spAutoFit/>
-          </a:bodyPr>
-          <a:p>
-            <a:r>
-              <a:rPr lang="en-US" sz="2400" dirty="0"/>
-              <a:t>3.</a:t>
-            </a:r>
-            <a:r>
-              <a:rPr sz="2400" dirty="0"/>
-              <a:t>协作（collaboration）</a:t>
-            </a:r>
-            <a:endParaRPr sz="2400" dirty="0"/>
-          </a:p>
-        </p:txBody>
-      </p:sp>
       <p:pic>
         <p:nvPicPr>
           <p:cNvPr id="12" name="图片 11"/>
@@ -4766,101 +4856,14 @@
         </p:blipFill>
         <p:spPr>
           <a:xfrm>
-            <a:off x="8475980" y="2404110"/>
-            <a:ext cx="2761615" cy="1447800"/>
+            <a:off x="8750300" y="2177415"/>
+            <a:ext cx="2478405" cy="1674495"/>
           </a:xfrm>
           <a:prstGeom prst="rect">
             <a:avLst/>
           </a:prstGeom>
         </p:spPr>
       </p:pic>
-      <p:sp>
-        <p:nvSpPr>
-          <p:cNvPr id="13" name="文本框 12"/>
-          <p:cNvSpPr txBox="1"/>
-          <p:nvPr/>
-        </p:nvSpPr>
-        <p:spPr>
-          <a:xfrm>
-            <a:off x="1155065" y="4806315"/>
-            <a:ext cx="2540000" cy="1706880"/>
-          </a:xfrm>
-          <a:prstGeom prst="rect">
-            <a:avLst/>
-          </a:prstGeom>
-          <a:noFill/>
-        </p:spPr>
-        <p:txBody>
-          <a:bodyPr wrap="square" rtlCol="0" anchor="t">
-            <a:spAutoFit/>
-          </a:bodyPr>
-          <a:p>
-            <a:r>
-              <a:rPr lang="zh-CN" altLang="en-US"/>
-              <a:t>类是对一组具有相同属性、方法、关系和语义的对象的描述。一个类实现一个或多个接口</a:t>
-            </a:r>
-            <a:endParaRPr lang="zh-CN" altLang="en-US"/>
-          </a:p>
-        </p:txBody>
-      </p:sp>
-      <p:sp>
-        <p:nvSpPr>
-          <p:cNvPr id="14" name="文本框 13"/>
-          <p:cNvSpPr txBox="1"/>
-          <p:nvPr/>
-        </p:nvSpPr>
-        <p:spPr>
-          <a:xfrm>
-            <a:off x="4447540" y="4644390"/>
-            <a:ext cx="2863850" cy="2030095"/>
-          </a:xfrm>
-          <a:prstGeom prst="rect">
-            <a:avLst/>
-          </a:prstGeom>
-          <a:noFill/>
-        </p:spPr>
-        <p:txBody>
-          <a:bodyPr wrap="square" rtlCol="0" anchor="t">
-            <a:spAutoFit/>
-          </a:bodyPr>
-          <a:p>
-            <a:r>
-              <a:rPr lang="zh-CN" altLang="en-US"/>
-              <a:t>接口描述了一个类或构件的一个服务的操作集，接口仅仅是定义了一组操作的规范，它并没有给出这组操作的具体实现</a:t>
-            </a:r>
-            <a:endParaRPr lang="zh-CN" altLang="en-US"/>
-          </a:p>
-        </p:txBody>
-      </p:sp>
-      <p:sp>
-        <p:nvSpPr>
-          <p:cNvPr id="15" name="文本框 14"/>
-          <p:cNvSpPr txBox="1"/>
-          <p:nvPr/>
-        </p:nvSpPr>
-        <p:spPr>
-          <a:xfrm>
-            <a:off x="8371205" y="4068445"/>
-            <a:ext cx="3237230" cy="2676525"/>
-          </a:xfrm>
-          <a:prstGeom prst="rect">
-            <a:avLst/>
-          </a:prstGeom>
-          <a:noFill/>
-        </p:spPr>
-        <p:txBody>
-          <a:bodyPr wrap="square" rtlCol="0" anchor="t">
-            <a:spAutoFit/>
-          </a:bodyPr>
-          <a:p>
-            <a:r>
-              <a:rPr lang="zh-CN" altLang="en-US"/>
-              <a:t>协作定义了一个交互，它是由一组共同工作以提供某协作的角色和其他元素构成的群体，这些协作行为大于所有元素的各行为的总和。因此，协作有结构、行为和维度。一个给定的类可以参与几个协作</a:t>
-            </a:r>
-            <a:endParaRPr lang="zh-CN" altLang="en-US"/>
-          </a:p>
-        </p:txBody>
-      </p:sp>
     </p:spTree>
   </p:cSld>
   <p:clrMapOvr>
@@ -5078,7 +5081,7 @@
             </a:r>
             <a:r>
               <a:rPr lang="zh-CN" altLang="en-US" sz="3200" dirty="0"/>
-              <a:t>行为事物</a:t>
+              <a:t>分组事物</a:t>
             </a:r>
             <a:endParaRPr lang="zh-CN" altLang="en-US" sz="3200" dirty="0"/>
           </a:p>
@@ -5093,7 +5096,7 @@
         <p:spPr>
           <a:xfrm>
             <a:off x="1551940" y="1497965"/>
-            <a:ext cx="10158730" cy="460375"/>
+            <a:ext cx="10158730" cy="1198880"/>
           </a:xfrm>
           <a:prstGeom prst="rect">
             <a:avLst/>
@@ -5105,103 +5108,33 @@
           </a:bodyPr>
           <a:p>
             <a:r>
-              <a:rPr lang="en-US" altLang="zh-CN" sz="2400" dirty="0"/>
-              <a:t>1.</a:t>
-            </a:r>
-            <a:r>
               <a:rPr sz="2400" dirty="0"/>
-              <a:t>交互（interaction）</a:t>
+              <a:t>--分组事物是UML模型的组织部分，最主要的分组事物是包（package）</a:t>
             </a:r>
             <a:endParaRPr sz="2400" dirty="0"/>
           </a:p>
+          <a:p>
+            <a:endParaRPr sz="2400" dirty="0"/>
+          </a:p>
+          <a:p>
+            <a:r>
+              <a:rPr sz="2400" dirty="0"/>
+              <a:t>--包是把元素组织成组的机制</a:t>
+            </a:r>
+            <a:endParaRPr sz="2400" dirty="0"/>
+          </a:p>
         </p:txBody>
       </p:sp>
       <p:sp>
         <p:nvSpPr>
-          <p:cNvPr id="7" name="矩形 6"/>
-          <p:cNvSpPr/>
-          <p:nvPr/>
-        </p:nvSpPr>
-        <p:spPr>
-          <a:xfrm>
-            <a:off x="4389120" y="1497965"/>
-            <a:ext cx="5285105" cy="460375"/>
-          </a:xfrm>
-          <a:prstGeom prst="rect">
-            <a:avLst/>
-          </a:prstGeom>
-        </p:spPr>
-        <p:txBody>
-          <a:bodyPr wrap="square">
-            <a:spAutoFit/>
-          </a:bodyPr>
-          <a:p>
-            <a:r>
-              <a:rPr lang="en-US" sz="2400" dirty="0"/>
-              <a:t>2.</a:t>
-            </a:r>
-            <a:r>
-              <a:rPr sz="2400" dirty="0"/>
-              <a:t>状态机（state machine）</a:t>
-            </a:r>
-            <a:endParaRPr sz="2400" dirty="0"/>
-          </a:p>
-        </p:txBody>
-      </p:sp>
-      <p:sp>
-        <p:nvSpPr>
-          <p:cNvPr id="11" name="矩形 10"/>
-          <p:cNvSpPr/>
-          <p:nvPr/>
-        </p:nvSpPr>
-        <p:spPr>
-          <a:xfrm>
-            <a:off x="8034020" y="1497965"/>
-            <a:ext cx="3408680" cy="460375"/>
-          </a:xfrm>
-          <a:prstGeom prst="rect">
-            <a:avLst/>
-          </a:prstGeom>
-        </p:spPr>
-        <p:txBody>
-          <a:bodyPr wrap="square">
-            <a:spAutoFit/>
-          </a:bodyPr>
-          <a:p>
-            <a:r>
-              <a:rPr lang="en-US" sz="2400" dirty="0"/>
-              <a:t>3.</a:t>
-            </a:r>
-            <a:r>
-              <a:rPr lang="zh-CN" altLang="en-US" sz="2400" dirty="0"/>
-              <a:t>活动</a:t>
-            </a:r>
-            <a:r>
-              <a:rPr sz="2400" dirty="0"/>
-              <a:t>（</a:t>
-            </a:r>
-            <a:r>
-              <a:rPr lang="en-US" sz="2400" dirty="0"/>
-              <a:t>activity</a:t>
-            </a:r>
-            <a:r>
-              <a:rPr sz="2400" dirty="0"/>
-              <a:t>）</a:t>
-            </a:r>
-            <a:endParaRPr sz="2400" dirty="0"/>
-          </a:p>
-        </p:txBody>
-      </p:sp>
-      <p:sp>
-        <p:nvSpPr>
-          <p:cNvPr id="13" name="文本框 12"/>
+          <p:cNvPr id="10" name="文本框 9"/>
           <p:cNvSpPr txBox="1"/>
           <p:nvPr/>
         </p:nvSpPr>
         <p:spPr>
           <a:xfrm>
-            <a:off x="1040765" y="3610610"/>
-            <a:ext cx="2540000" cy="2999740"/>
+            <a:off x="1102995" y="4358640"/>
+            <a:ext cx="10476230" cy="2353310"/>
           </a:xfrm>
           <a:prstGeom prst="rect">
             <a:avLst/>
@@ -5215,65 +5148,27 @@
           <a:p>
             <a:r>
               <a:rPr lang="zh-CN" altLang="en-US"/>
-              <a:t>交互这样一种行为，他由在特定语境中共同完成一定特定任务的一组对象之间交换的消息组成。一个对象群体的行为或单个操作的行为可用一个交互来描述</a:t>
+              <a:t>包是UML中唯一的组织机制</a:t>
             </a:r>
             <a:endParaRPr lang="zh-CN" altLang="en-US"/>
           </a:p>
-        </p:txBody>
-      </p:sp>
-      <p:sp>
-        <p:nvSpPr>
-          <p:cNvPr id="14" name="文本框 13"/>
-          <p:cNvSpPr txBox="1"/>
-          <p:nvPr/>
-        </p:nvSpPr>
-        <p:spPr>
-          <a:xfrm>
-            <a:off x="4500880" y="3851910"/>
-            <a:ext cx="3533140" cy="2999740"/>
-          </a:xfrm>
-          <a:prstGeom prst="rect">
-            <a:avLst/>
-          </a:prstGeom>
-          <a:noFill/>
-        </p:spPr>
-        <p:txBody>
-          <a:bodyPr wrap="square" rtlCol="0" anchor="t">
-            <a:spAutoFit/>
-          </a:bodyPr>
+          <a:p>
+            <a:endParaRPr lang="zh-CN" altLang="en-US"/>
+          </a:p>
           <a:p>
             <a:r>
               <a:rPr lang="zh-CN" altLang="en-US"/>
-              <a:t>状态机是这样一种行为，描述了一个对象或一个交互在生命期内响应事件所经历的状态序列。单个类或一组类之间协作的行为可以用状态机来描述。一个状态机涉及到一些其他元素，包括状态转换（发转换的事物）和活动（对一个转换的响应）</a:t>
+              <a:t>包可以拥有其他元素，这些元素可以是类、接口、构件、节点、协作、用例和图，甚至可以是其他包</a:t>
             </a:r>
             <a:endParaRPr lang="zh-CN" altLang="en-US"/>
           </a:p>
-        </p:txBody>
-      </p:sp>
-      <p:sp>
-        <p:nvSpPr>
-          <p:cNvPr id="15" name="文本框 14"/>
-          <p:cNvSpPr txBox="1"/>
-          <p:nvPr/>
-        </p:nvSpPr>
-        <p:spPr>
-          <a:xfrm>
-            <a:off x="8371205" y="4013835"/>
-            <a:ext cx="3237230" cy="1706880"/>
-          </a:xfrm>
-          <a:prstGeom prst="rect">
-            <a:avLst/>
-          </a:prstGeom>
-          <a:noFill/>
-        </p:spPr>
-        <p:txBody>
-          <a:bodyPr wrap="square" rtlCol="0" anchor="t">
-            <a:spAutoFit/>
-          </a:bodyPr>
+          <a:p>
+            <a:endParaRPr lang="zh-CN" altLang="en-US"/>
+          </a:p>
           <a:p>
             <a:r>
               <a:rPr lang="zh-CN" altLang="en-US"/>
-              <a:t>活动是这样一种行为，他描述了计算过程执行的步骤序列。注重的是步骤之间的流而不关心哪个对象执行哪个步骤。</a:t>
+              <a:t>一个包形成了一个命名空间。在一个包中同一种元素的名称必须是唯一的。不同种类的元素可以有相同的名称</a:t>
             </a:r>
             <a:endParaRPr lang="zh-CN" altLang="en-US"/>
           </a:p>
@@ -5281,7 +5176,7 @@
       </p:sp>
       <p:pic>
         <p:nvPicPr>
-          <p:cNvPr id="9" name="图片 8"/>
+          <p:cNvPr id="7" name="图片 6"/>
           <p:cNvPicPr>
             <a:picLocks noChangeAspect="1"/>
           </p:cNvPicPr>
@@ -5295,56 +5190,8 @@
         </p:blipFill>
         <p:spPr>
           <a:xfrm>
-            <a:off x="1040765" y="2620645"/>
-            <a:ext cx="2999740" cy="571500"/>
-          </a:xfrm>
-          <a:prstGeom prst="rect">
-            <a:avLst/>
-          </a:prstGeom>
-        </p:spPr>
-      </p:pic>
-      <p:pic>
-        <p:nvPicPr>
-          <p:cNvPr id="16" name="图片 15"/>
-          <p:cNvPicPr>
-            <a:picLocks noChangeAspect="1"/>
-          </p:cNvPicPr>
-          <p:nvPr/>
-        </p:nvPicPr>
-        <p:blipFill>
-          <a:blip r:embed="rId2"/>
-          <a:stretch>
-            <a:fillRect/>
-          </a:stretch>
-        </p:blipFill>
-        <p:spPr>
-          <a:xfrm>
-            <a:off x="4585970" y="2222500"/>
-            <a:ext cx="3018790" cy="1581150"/>
-          </a:xfrm>
-          <a:prstGeom prst="rect">
-            <a:avLst/>
-          </a:prstGeom>
-        </p:spPr>
-      </p:pic>
-      <p:pic>
-        <p:nvPicPr>
-          <p:cNvPr id="17" name="图片 16"/>
-          <p:cNvPicPr>
-            <a:picLocks noChangeAspect="1"/>
-          </p:cNvPicPr>
-          <p:nvPr/>
-        </p:nvPicPr>
-        <p:blipFill>
-          <a:blip r:embed="rId3"/>
-          <a:stretch>
-            <a:fillRect/>
-          </a:stretch>
-        </p:blipFill>
-        <p:spPr>
-          <a:xfrm>
-            <a:off x="8371205" y="2374900"/>
-            <a:ext cx="2933065" cy="1428750"/>
+            <a:off x="6139180" y="2361565"/>
+            <a:ext cx="2761615" cy="2333625"/>
           </a:xfrm>
           <a:prstGeom prst="rect">
             <a:avLst/>
@@ -5568,7 +5415,7 @@
             </a:r>
             <a:r>
               <a:rPr lang="zh-CN" altLang="en-US" sz="3200" dirty="0"/>
-              <a:t>分组事物</a:t>
+              <a:t>注释事物</a:t>
             </a:r>
             <a:endParaRPr lang="zh-CN" altLang="en-US" sz="3200" dirty="0"/>
           </a:p>
@@ -5583,7 +5430,7 @@
         <p:spPr>
           <a:xfrm>
             <a:off x="1551940" y="1497965"/>
-            <a:ext cx="10158730" cy="1198880"/>
+            <a:ext cx="10158730" cy="1938020"/>
           </a:xfrm>
           <a:prstGeom prst="rect">
             <a:avLst/>
@@ -5596,7 +5443,7 @@
           <a:p>
             <a:r>
               <a:rPr sz="2400" dirty="0"/>
-              <a:t>--分组事物是UML模型的组织部分，最主要的分组事物是包（package）</a:t>
+              <a:t>注释事物是UML模型的解释部分。这些注释事物用来描述、说明和标注模型的任何元素。有一种主要的注释事物，称为注解（note）</a:t>
             </a:r>
             <a:endParaRPr sz="2400" dirty="0"/>
           </a:p>
@@ -5606,7 +5453,7 @@
           <a:p>
             <a:r>
               <a:rPr sz="2400" dirty="0"/>
-              <a:t>--包是把元素组织成组的机制</a:t>
+              <a:t>注解是一个依附于一个元素或一组元素之上，对它进行约束或解释的简单符号</a:t>
             </a:r>
             <a:endParaRPr sz="2400" dirty="0"/>
           </a:p>
@@ -5628,63 +5475,14 @@
         </p:blipFill>
         <p:spPr>
           <a:xfrm>
-            <a:off x="4544060" y="2777490"/>
-            <a:ext cx="2904490" cy="1581150"/>
+            <a:off x="5084445" y="3988435"/>
+            <a:ext cx="2522855" cy="1510665"/>
           </a:xfrm>
           <a:prstGeom prst="rect">
             <a:avLst/>
           </a:prstGeom>
         </p:spPr>
       </p:pic>
-      <p:sp>
-        <p:nvSpPr>
-          <p:cNvPr id="10" name="文本框 9"/>
-          <p:cNvSpPr txBox="1"/>
-          <p:nvPr/>
-        </p:nvSpPr>
-        <p:spPr>
-          <a:xfrm>
-            <a:off x="1102995" y="4358640"/>
-            <a:ext cx="10476230" cy="2353310"/>
-          </a:xfrm>
-          <a:prstGeom prst="rect">
-            <a:avLst/>
-          </a:prstGeom>
-          <a:noFill/>
-        </p:spPr>
-        <p:txBody>
-          <a:bodyPr wrap="square" rtlCol="0" anchor="t">
-            <a:spAutoFit/>
-          </a:bodyPr>
-          <a:p>
-            <a:r>
-              <a:rPr lang="zh-CN" altLang="en-US"/>
-              <a:t>包是UML中唯一的组织机制</a:t>
-            </a:r>
-            <a:endParaRPr lang="zh-CN" altLang="en-US"/>
-          </a:p>
-          <a:p>
-            <a:endParaRPr lang="zh-CN" altLang="en-US"/>
-          </a:p>
-          <a:p>
-            <a:r>
-              <a:rPr lang="zh-CN" altLang="en-US"/>
-              <a:t>包可以拥有其他元素，这些元素可以是类、接口、构件、节点、协作、用例和图，甚至可以是其他包</a:t>
-            </a:r>
-            <a:endParaRPr lang="zh-CN" altLang="en-US"/>
-          </a:p>
-          <a:p>
-            <a:endParaRPr lang="zh-CN" altLang="en-US"/>
-          </a:p>
-          <a:p>
-            <a:r>
-              <a:rPr lang="zh-CN" altLang="en-US"/>
-              <a:t>一个包形成了一个命名空间。在一个包中同一种元素的名称必须是唯一的。不同种类的元素可以有相同的名称</a:t>
-            </a:r>
-            <a:endParaRPr lang="zh-CN" altLang="en-US"/>
-          </a:p>
-        </p:txBody>
-      </p:sp>
     </p:spTree>
   </p:cSld>
   <p:clrMapOvr>
@@ -5894,15 +5692,7 @@
             </a:r>
             <a:r>
               <a:rPr lang="zh-CN" altLang="en-US" sz="3200" dirty="0"/>
-              <a:t>中的事物</a:t>
-            </a:r>
-            <a:r>
-              <a:rPr lang="en-US" altLang="zh-CN" sz="3200" dirty="0"/>
-              <a:t>——</a:t>
-            </a:r>
-            <a:r>
-              <a:rPr lang="zh-CN" altLang="en-US" sz="3200" dirty="0"/>
-              <a:t>注释事物</a:t>
+              <a:t>中的关系</a:t>
             </a:r>
             <a:endParaRPr lang="zh-CN" altLang="en-US" sz="3200" dirty="0"/>
           </a:p>
@@ -5917,7 +5707,7 @@
         <p:spPr>
           <a:xfrm>
             <a:off x="1551940" y="1497965"/>
-            <a:ext cx="10158730" cy="1938020"/>
+            <a:ext cx="10158730" cy="5262245"/>
           </a:xfrm>
           <a:prstGeom prst="rect">
             <a:avLst/>
@@ -5930,46 +5720,61 @@
           <a:p>
             <a:r>
               <a:rPr sz="2400" dirty="0"/>
-              <a:t>注释事物是UML模型的解释部分。这些注释事物用来描述、说明和标注模型的任何元素。有一种主要的注释事物，称为注解（note）</a:t>
+              <a:t>1.关联关系</a:t>
             </a:r>
             <a:endParaRPr sz="2400" dirty="0"/>
           </a:p>
           <a:p>
+            <a:r>
+              <a:rPr sz="2400" dirty="0"/>
+              <a:t>关联关系是一种结构化的关系，表示给定关联的一个类的对象访问另一个类的相关对象。在UML中通过一条实线表示这种关系。关联关系可以有方向表示关联在某一个方向被使用。</a:t>
+            </a:r>
             <a:endParaRPr sz="2400" dirty="0"/>
           </a:p>
           <a:p>
             <a:r>
               <a:rPr sz="2400" dirty="0"/>
-              <a:t>注解是一个依附于一个元素或一组元素之上，对它进行约束或解释的简单符号</a:t>
+              <a:t>2.依赖关系</a:t>
             </a:r>
             <a:endParaRPr sz="2400" dirty="0"/>
           </a:p>
+          <a:p>
+            <a:r>
+              <a:rPr sz="2400" dirty="0"/>
+              <a:t>两个对象之间如果一个对象发生变化另外的对象根据前者的变化而变化，所以两者之间具有依赖关系。在UML中通常用过一条带有箭头的虚线表示。</a:t>
+            </a:r>
+            <a:endParaRPr sz="2400" dirty="0"/>
+          </a:p>
+          <a:p>
+            <a:r>
+              <a:rPr sz="2400" dirty="0"/>
+              <a:t>3.泛化关系</a:t>
+            </a:r>
+            <a:endParaRPr sz="2400" dirty="0"/>
+          </a:p>
+          <a:p>
+            <a:r>
+              <a:rPr sz="2400" dirty="0"/>
+              <a:t>在UML中泛化关系定义个表示子类和父类之间的集成关系，比如：一个对象为哺乳动物，一个对象为狗，这两个对象之间具有泛化关系，狗具有哺乳动物的一些属性和方法。</a:t>
+            </a:r>
+            <a:endParaRPr sz="2400" dirty="0"/>
+          </a:p>
+          <a:p>
+            <a:r>
+              <a:rPr sz="2400" dirty="0"/>
+              <a:t>4.实现关系</a:t>
+            </a:r>
+            <a:endParaRPr sz="2400" dirty="0"/>
+          </a:p>
+          <a:p>
+            <a:r>
+              <a:rPr sz="2400" dirty="0"/>
+              <a:t>实现关系可以把类和接口、类和类之间进行连接起来，接口只是对行为的说明但不是结构。真正的实现通过一条带有箭头的空心实现来表示。</a:t>
+            </a:r>
+            <a:endParaRPr sz="2400" dirty="0"/>
+          </a:p>
         </p:txBody>
       </p:sp>
-      <p:pic>
-        <p:nvPicPr>
-          <p:cNvPr id="7" name="图片 6"/>
-          <p:cNvPicPr>
-            <a:picLocks noChangeAspect="1"/>
-          </p:cNvPicPr>
-          <p:nvPr/>
-        </p:nvPicPr>
-        <p:blipFill>
-          <a:blip r:embed="rId1"/>
-          <a:stretch>
-            <a:fillRect/>
-          </a:stretch>
-        </p:blipFill>
-        <p:spPr>
-          <a:xfrm>
-            <a:off x="4733290" y="4169410"/>
-            <a:ext cx="2723515" cy="1219200"/>
-          </a:xfrm>
-          <a:prstGeom prst="rect">
-            <a:avLst/>
-          </a:prstGeom>
-        </p:spPr>
-      </p:pic>
     </p:spTree>
   </p:cSld>
   <p:clrMapOvr>
@@ -6179,7 +5984,7 @@
             </a:r>
             <a:r>
               <a:rPr lang="zh-CN" altLang="en-US" sz="3200" dirty="0"/>
-              <a:t>中的关系</a:t>
+              <a:t>中的图</a:t>
             </a:r>
             <a:endParaRPr lang="zh-CN" altLang="en-US" sz="3200" dirty="0"/>
           </a:p>
@@ -6193,8 +5998,8 @@
         </p:nvSpPr>
         <p:spPr>
           <a:xfrm>
-            <a:off x="1551940" y="1497965"/>
-            <a:ext cx="10158730" cy="5262245"/>
+            <a:off x="1404620" y="1375410"/>
+            <a:ext cx="10158730" cy="4523105"/>
           </a:xfrm>
           <a:prstGeom prst="rect">
             <a:avLst/>
@@ -6207,85 +6012,69 @@
           <a:p>
             <a:r>
               <a:rPr sz="2400" dirty="0"/>
-              <a:t>1.关联关系</a:t>
+              <a:t>1.用例图</a:t>
             </a:r>
             <a:endParaRPr sz="2400" dirty="0"/>
           </a:p>
           <a:p>
             <a:r>
               <a:rPr sz="2400" dirty="0"/>
-              <a:t>关联关系是一种结构化的关系，表示给定关联的一个类的对象访问另一个类的相关对象。在UML中通过一条实线表示这种关系。关联关系可以有方向表示关联在某一个方向被使用。</a:t>
+              <a:t>用例图表示了用例和参与者以及他们之间的关系。用例图中包含角色和用例以及两者之间的关系。</a:t>
             </a:r>
             <a:endParaRPr sz="2400" dirty="0"/>
           </a:p>
           <a:p>
             <a:r>
               <a:rPr sz="2400" dirty="0"/>
-              <a:t>2.依赖关系</a:t>
+              <a:t>2.类图</a:t>
             </a:r>
             <a:endParaRPr sz="2400" dirty="0"/>
           </a:p>
           <a:p>
             <a:r>
               <a:rPr sz="2400" dirty="0"/>
-              <a:t>两个对象之间如果一个对象发生变化另外的对象根据前者的变化而变化，所以两者之间具有依赖关系。在UML中通常用过一条带有箭头的虚线表示。</a:t>
+              <a:t>类图表示了一组类、接口和协作以及他们之间的关系。</a:t>
             </a:r>
             <a:endParaRPr sz="2400" dirty="0"/>
           </a:p>
           <a:p>
             <a:r>
               <a:rPr sz="2400" dirty="0"/>
-              <a:t>3.泛化关系</a:t>
+              <a:t>3.对象图</a:t>
             </a:r>
             <a:endParaRPr sz="2400" dirty="0"/>
           </a:p>
           <a:p>
             <a:r>
               <a:rPr sz="2400" dirty="0"/>
-              <a:t>在UML中泛化关系定义个表示子类和父类之间的集成关系，比如：一个对象为哺乳动物，一个对象为狗，这两个对象之间具有泛化关系，狗具有哺乳动物的一些属性和方法。</a:t>
+              <a:t>对象图</a:t>
+            </a:r>
+            <a:r>
+              <a:rPr lang="zh-CN" sz="2400" dirty="0"/>
+              <a:t>展示</a:t>
+            </a:r>
+            <a:r>
+              <a:rPr sz="2400" dirty="0"/>
+              <a:t>了一组对象以及他们之间关系。用对象图说明类图中所反映的事务实力的数据和静态快照。</a:t>
             </a:r>
             <a:endParaRPr sz="2400" dirty="0"/>
           </a:p>
           <a:p>
             <a:r>
               <a:rPr sz="2400" dirty="0"/>
-              <a:t>4.实现关系</a:t>
+              <a:t>4.组件图</a:t>
             </a:r>
             <a:endParaRPr sz="2400" dirty="0"/>
           </a:p>
           <a:p>
             <a:r>
               <a:rPr sz="2400" dirty="0"/>
-              <a:t>实现关系可以把类和接口、类和类之间进行连接起来，接口只是对行为的说明但不是结构。真正的实现通过一条带有箭头的空心实现来表示。</a:t>
+              <a:t>组件图又被称为构建图，组成部分有组件接口和组件之间的联系构成。组件可以是源代码、二进制代码或可执行程序。组件图表示系统中的不同物理部分之前的关系，表达的是系统代码本身之间的关系。</a:t>
             </a:r>
             <a:endParaRPr sz="2400" dirty="0"/>
           </a:p>
         </p:txBody>
       </p:sp>
-      <p:pic>
-        <p:nvPicPr>
-          <p:cNvPr id="9" name="图片 8" descr="2"/>
-          <p:cNvPicPr>
-            <a:picLocks noChangeAspect="1"/>
-          </p:cNvPicPr>
-          <p:nvPr/>
-        </p:nvPicPr>
-        <p:blipFill>
-          <a:blip r:embed="rId1"/>
-          <a:stretch>
-            <a:fillRect/>
-          </a:stretch>
-        </p:blipFill>
-        <p:spPr>
-          <a:xfrm>
-            <a:off x="5743575" y="255270"/>
-            <a:ext cx="5390515" cy="1513840"/>
-          </a:xfrm>
-          <a:prstGeom prst="rect">
-            <a:avLst/>
-          </a:prstGeom>
-        </p:spPr>
-      </p:pic>
     </p:spTree>
   </p:cSld>
   <p:clrMapOvr>
@@ -6297,121 +6086,7 @@
   <p:timing>
     <p:tnLst>
       <p:par>
-        <p:cTn id="1" dur="indefinite" restart="never" nodeType="tmRoot">
-          <p:childTnLst>
-            <p:seq concurrent="1" nextAc="seek">
-              <p:cTn id="2" dur="indefinite" nodeType="mainSeq">
-                <p:childTnLst>
-                  <p:par>
-                    <p:cTn id="3" fill="hold">
-                      <p:stCondLst>
-                        <p:cond delay="indefinite"/>
-                      </p:stCondLst>
-                      <p:childTnLst>
-                        <p:par>
-                          <p:cTn id="4" fill="hold">
-                            <p:stCondLst>
-                              <p:cond delay="0"/>
-                            </p:stCondLst>
-                            <p:childTnLst>
-                              <p:par>
-                                <p:cTn id="5" presetID="2" presetClass="entr" presetSubtype="4" fill="hold" nodeType="clickEffect">
-                                  <p:stCondLst>
-                                    <p:cond delay="0"/>
-                                  </p:stCondLst>
-                                  <p:childTnLst>
-                                    <p:set>
-                                      <p:cBhvr>
-                                        <p:cTn id="6" dur="1" fill="hold">
-                                          <p:stCondLst>
-                                            <p:cond delay="0"/>
-                                          </p:stCondLst>
-                                        </p:cTn>
-                                        <p:tgtEl>
-                                          <p:spTgt spid="9"/>
-                                        </p:tgtEl>
-                                        <p:attrNameLst>
-                                          <p:attrName>style.visibility</p:attrName>
-                                        </p:attrNameLst>
-                                      </p:cBhvr>
-                                      <p:to>
-                                        <p:strVal val="visible"/>
-                                      </p:to>
-                                    </p:set>
-                                    <p:anim calcmode="lin" valueType="num">
-                                      <p:cBhvr additive="base">
-                                        <p:cTn id="7" dur="500" fill="hold"/>
-                                        <p:tgtEl>
-                                          <p:spTgt spid="9"/>
-                                        </p:tgtEl>
-                                        <p:attrNameLst>
-                                          <p:attrName>ppt_x</p:attrName>
-                                        </p:attrNameLst>
-                                      </p:cBhvr>
-                                      <p:tavLst>
-                                        <p:tav tm="0">
-                                          <p:val>
-                                            <p:strVal val="#ppt_x"/>
-                                          </p:val>
-                                        </p:tav>
-                                        <p:tav tm="100000">
-                                          <p:val>
-                                            <p:strVal val="#ppt_x"/>
-                                          </p:val>
-                                        </p:tav>
-                                      </p:tavLst>
-                                    </p:anim>
-                                    <p:anim calcmode="lin" valueType="num">
-                                      <p:cBhvr additive="base">
-                                        <p:cTn id="8" dur="500" fill="hold"/>
-                                        <p:tgtEl>
-                                          <p:spTgt spid="9"/>
-                                        </p:tgtEl>
-                                        <p:attrNameLst>
-                                          <p:attrName>ppt_y</p:attrName>
-                                        </p:attrNameLst>
-                                      </p:cBhvr>
-                                      <p:tavLst>
-                                        <p:tav tm="0">
-                                          <p:val>
-                                            <p:strVal val="1+#ppt_h/2"/>
-                                          </p:val>
-                                        </p:tav>
-                                        <p:tav tm="100000">
-                                          <p:val>
-                                            <p:strVal val="#ppt_y"/>
-                                          </p:val>
-                                        </p:tav>
-                                      </p:tavLst>
-                                    </p:anim>
-                                  </p:childTnLst>
-                                </p:cTn>
-                              </p:par>
-                            </p:childTnLst>
-                          </p:cTn>
-                        </p:par>
-                      </p:childTnLst>
-                    </p:cTn>
-                  </p:par>
-                </p:childTnLst>
-              </p:cTn>
-              <p:prevCondLst>
-                <p:cond evt="onPrev" delay="0">
-                  <p:tgtEl>
-                    <p:sldTgt/>
-                  </p:tgtEl>
-                </p:cond>
-              </p:prevCondLst>
-              <p:nextCondLst>
-                <p:cond evt="onNext" delay="0">
-                  <p:tgtEl>
-                    <p:sldTgt/>
-                  </p:tgtEl>
-                </p:cond>
-              </p:nextCondLst>
-            </p:seq>
-          </p:childTnLst>
-        </p:cTn>
+        <p:cTn id="1" dur="indefinite" restart="never" nodeType="tmRoot"/>
       </p:par>
     </p:tnLst>
   </p:timing>
@@ -6623,8 +6298,8 @@
         </p:nvSpPr>
         <p:spPr>
           <a:xfrm>
-            <a:off x="1404620" y="1375410"/>
-            <a:ext cx="10158730" cy="4523105"/>
+            <a:off x="651510" y="1300480"/>
+            <a:ext cx="10887075" cy="6000750"/>
           </a:xfrm>
           <a:prstGeom prst="rect">
             <a:avLst/>
@@ -6637,65 +6312,74 @@
           <a:p>
             <a:r>
               <a:rPr sz="2400" dirty="0"/>
-              <a:t>1.用例图</a:t>
+              <a:t>5.配置图</a:t>
             </a:r>
             <a:endParaRPr sz="2400" dirty="0"/>
           </a:p>
           <a:p>
             <a:r>
               <a:rPr sz="2400" dirty="0"/>
-              <a:t>用例图表示了用例和参与者以及他们之间的关系。用例图中包含角色和用例以及两者之间的关系。</a:t>
+              <a:t>配置图表现了对运行时处理节点以及q起重工组件的配署。描述的是在软件完成之后如何部署局域网等硬件。</a:t>
             </a:r>
             <a:endParaRPr sz="2400" dirty="0"/>
           </a:p>
           <a:p>
             <a:r>
               <a:rPr sz="2400" dirty="0"/>
-              <a:t>2.类图</a:t>
+              <a:t>6.时序图</a:t>
             </a:r>
             <a:endParaRPr sz="2400" dirty="0"/>
           </a:p>
           <a:p>
             <a:r>
               <a:rPr sz="2400" dirty="0"/>
-              <a:t>类图表示了一组类、接口和协作以及他们之间的关系。</a:t>
+              <a:t>时序图显示的多个对象之间的动态的协作，对象之间通过发送信息建立通信的时候的时间顺序。</a:t>
             </a:r>
             <a:endParaRPr sz="2400" dirty="0"/>
           </a:p>
           <a:p>
             <a:r>
               <a:rPr sz="2400" dirty="0"/>
-              <a:t>3.对象图</a:t>
+              <a:t>7.协作图</a:t>
             </a:r>
             <a:endParaRPr sz="2400" dirty="0"/>
           </a:p>
           <a:p>
             <a:r>
               <a:rPr sz="2400" dirty="0"/>
-              <a:t>对象图</a:t>
-            </a:r>
-            <a:r>
-              <a:rPr lang="zh-CN" sz="2400" dirty="0"/>
-              <a:t>展示</a:t>
-            </a:r>
+              <a:t>协作图在对一次交互中有意义的对象和对象之间的连接建模，强调收发信息对象组织结构，然后按照组织结构进行建模。</a:t>
+            </a:r>
+            <a:endParaRPr sz="2400" dirty="0"/>
+          </a:p>
+          <a:p>
             <a:r>
               <a:rPr sz="2400" dirty="0"/>
-              <a:t>了一组对象以及他们之间关系。用对象图说明类图中所反映的事务实力的数据和静态快照。</a:t>
+              <a:t>8.状态图</a:t>
             </a:r>
             <a:endParaRPr sz="2400" dirty="0"/>
           </a:p>
           <a:p>
             <a:r>
               <a:rPr sz="2400" dirty="0"/>
-              <a:t>4.组件图</a:t>
+              <a:t>状态图战士了一个特定的对象的所有可能状态以及各种事件的发生引起的状态见的转移。通过状态图描述系统的动态视图。通过状态图可以描述用例实例的生命周期。</a:t>
             </a:r>
             <a:endParaRPr sz="2400" dirty="0"/>
           </a:p>
           <a:p>
             <a:r>
               <a:rPr sz="2400" dirty="0"/>
-              <a:t>组件图又被称为构建图，组成部分有组件接口和组件之间的联系构成。组件可以是源代码、二进制代码或可执行程序。组件图表示系统中的不同物理部分之前的关系，表达的是系统代码本身之间的关系。</a:t>
-            </a:r>
+              <a:t>9.活动图</a:t>
+            </a:r>
+            <a:endParaRPr sz="2400" dirty="0"/>
+          </a:p>
+          <a:p>
+            <a:r>
+              <a:rPr sz="2400" dirty="0"/>
+              <a:t>活动图是状态图中的一个辩题描述的是系统的一个活动到另外的一个活动的流程。</a:t>
+            </a:r>
+            <a:endParaRPr sz="2400" dirty="0"/>
+          </a:p>
+          <a:p>
             <a:endParaRPr sz="2400" dirty="0"/>
           </a:p>
         </p:txBody>
@@ -6909,7 +6593,7 @@
             </a:r>
             <a:r>
               <a:rPr lang="zh-CN" altLang="en-US" sz="3200" dirty="0"/>
-              <a:t>中的图</a:t>
+              <a:t>的规则</a:t>
             </a:r>
             <a:endParaRPr lang="zh-CN" altLang="en-US" sz="3200" dirty="0"/>
           </a:p>
@@ -6924,7 +6608,7 @@
         <p:spPr>
           <a:xfrm>
             <a:off x="651510" y="1300480"/>
-            <a:ext cx="10887075" cy="6000750"/>
+            <a:ext cx="10887075" cy="3046095"/>
           </a:xfrm>
           <a:prstGeom prst="rect">
             <a:avLst/>
@@ -6937,75 +6621,84 @@
           <a:p>
             <a:r>
               <a:rPr sz="2400" dirty="0"/>
-              <a:t>5.配置图</a:t>
-            </a:r>
-            <a:endParaRPr sz="2400" dirty="0"/>
-          </a:p>
-          <a:p>
+              <a:t>不能简单地把UML的构造块按随机的方式放在一起。像任何语言一样，UML有一套规则，这些规则描述了一个</a:t>
+            </a:r>
+            <a:r>
+              <a:rPr lang="zh-CN" sz="2400" dirty="0"/>
+              <a:t>形式</a:t>
+            </a:r>
             <a:r>
               <a:rPr sz="2400" dirty="0"/>
-              <a:t>配置图表现了对运行时处理节点以及q起重工组件的配署。描述的是在软件完成之后如何部署局域网等硬件。</a:t>
-            </a:r>
-            <a:endParaRPr sz="2400" dirty="0"/>
-          </a:p>
-          <a:p>
+              <a:t>良好的模型看起来应该</a:t>
+            </a:r>
+            <a:r>
+              <a:rPr lang="zh-CN" sz="2400" dirty="0"/>
+              <a:t>是什么样</a:t>
+            </a:r>
             <a:r>
               <a:rPr sz="2400" dirty="0"/>
-              <a:t>6.时序图</a:t>
-            </a:r>
-            <a:endParaRPr sz="2400" dirty="0"/>
-          </a:p>
-          <a:p>
-            <a:r>
-              <a:rPr sz="2400" dirty="0"/>
-              <a:t>时序图显示的多个对象之间的动态的协作，对象之间通过发送信息建立通信的时候的时间顺序。</a:t>
-            </a:r>
-            <a:endParaRPr sz="2400" dirty="0"/>
-          </a:p>
-          <a:p>
-            <a:r>
-              <a:rPr sz="2400" dirty="0"/>
-              <a:t>7.协作图</a:t>
-            </a:r>
-            <a:endParaRPr sz="2400" dirty="0"/>
-          </a:p>
-          <a:p>
-            <a:r>
-              <a:rPr sz="2400" dirty="0"/>
-              <a:t>协作图在对一次交互中有意义的对象和对象之间的连接建模，强调收发信息对象组织结构，然后按照组织结构进行建模。</a:t>
-            </a:r>
-            <a:endParaRPr sz="2400" dirty="0"/>
-          </a:p>
-          <a:p>
-            <a:r>
-              <a:rPr sz="2400" dirty="0"/>
-              <a:t>8.状态图</a:t>
-            </a:r>
-            <a:endParaRPr sz="2400" dirty="0"/>
-          </a:p>
-          <a:p>
-            <a:r>
-              <a:rPr sz="2400" dirty="0"/>
-              <a:t>状态图战士了一个特定的对象的所有可能状态以及各种事件的发生引起的状态见的转移。通过状态图描述系统的动态视图。通过状态图可以描述用例实例的生命周期。</a:t>
-            </a:r>
-            <a:endParaRPr sz="2400" dirty="0"/>
-          </a:p>
-          <a:p>
-            <a:r>
-              <a:rPr sz="2400" dirty="0"/>
-              <a:t>9.活动图</a:t>
-            </a:r>
-            <a:endParaRPr sz="2400" dirty="0"/>
-          </a:p>
-          <a:p>
-            <a:r>
-              <a:rPr sz="2400" dirty="0"/>
-              <a:t>活动图是状态图中的一个辩题描述的是系统的一个活动到另外的一个活动的流程。</a:t>
-            </a:r>
-            <a:endParaRPr sz="2400" dirty="0"/>
-          </a:p>
-          <a:p>
-            <a:endParaRPr sz="2400" dirty="0"/>
+              <a:t>，UML有</a:t>
+            </a:r>
+            <a:r>
+              <a:rPr lang="zh-CN" sz="2400" dirty="0"/>
+              <a:t>自己的语法和语义规则，用于：</a:t>
+            </a:r>
+            <a:endParaRPr lang="zh-CN" sz="2400" dirty="0"/>
+          </a:p>
+          <a:p>
+            <a:r>
+              <a:rPr lang="en-US" altLang="zh-CN" sz="2400" dirty="0"/>
+              <a:t>	</a:t>
+            </a:r>
+            <a:r>
+              <a:rPr lang="zh-CN" sz="2400" dirty="0"/>
+              <a:t>①命名：为事物、关系和图起名。</a:t>
+            </a:r>
+            <a:endParaRPr lang="zh-CN" sz="2400" dirty="0"/>
+          </a:p>
+          <a:p>
+            <a:r>
+              <a:rPr lang="en-US" altLang="zh-CN" sz="2400" dirty="0"/>
+              <a:t>	</a:t>
+            </a:r>
+            <a:r>
+              <a:rPr lang="zh-CN" sz="2400" dirty="0"/>
+              <a:t>②范围：给一个名称以特定含义的语境。</a:t>
+            </a:r>
+            <a:endParaRPr lang="zh-CN" sz="2400" dirty="0"/>
+          </a:p>
+          <a:p>
+            <a:r>
+              <a:rPr lang="en-US" altLang="zh-CN" sz="2400" dirty="0"/>
+              <a:t>	</a:t>
+            </a:r>
+            <a:r>
+              <a:rPr lang="zh-CN" sz="2400" dirty="0"/>
+              <a:t>③可见性：怎样让其他人使用或者看见名称。</a:t>
+            </a:r>
+            <a:endParaRPr lang="zh-CN" sz="2400" dirty="0"/>
+          </a:p>
+          <a:p>
+            <a:r>
+              <a:rPr lang="en-US" altLang="zh-CN" sz="2400" dirty="0"/>
+              <a:t>	</a:t>
+            </a:r>
+            <a:r>
+              <a:rPr lang="zh-CN" sz="2400" dirty="0"/>
+              <a:t>④完整性：事物如何正确、一致地相互联系。</a:t>
+            </a:r>
+            <a:endParaRPr lang="zh-CN" sz="2400" dirty="0"/>
+          </a:p>
+          <a:p>
+            <a:r>
+              <a:rPr lang="en-US" altLang="zh-CN" sz="2400" dirty="0"/>
+              <a:t>	</a:t>
+            </a:r>
+            <a:r>
+              <a:rPr lang="zh-CN" sz="2400" dirty="0"/>
+              <a:t>⑤执行：运行或模拟动态模型的含义是什么。</a:t>
+            </a:r>
+            <a:endParaRPr lang="zh-CN" sz="2400" dirty="0"/>
           </a:p>
         </p:txBody>
       </p:sp>
@@ -7218,7 +6911,7 @@
             </a:r>
             <a:r>
               <a:rPr lang="zh-CN" altLang="en-US" sz="3200" dirty="0"/>
-              <a:t>的规则</a:t>
+              <a:t>中的公共机制</a:t>
             </a:r>
             <a:endParaRPr lang="zh-CN" altLang="en-US" sz="3200" dirty="0"/>
           </a:p>
@@ -7233,7 +6926,7 @@
         <p:spPr>
           <a:xfrm>
             <a:off x="651510" y="1300480"/>
-            <a:ext cx="10887075" cy="3046095"/>
+            <a:ext cx="10887075" cy="4523105"/>
           </a:xfrm>
           <a:prstGeom prst="rect">
             <a:avLst/>
@@ -7245,28 +6938,26 @@
           </a:bodyPr>
           <a:p>
             <a:r>
+              <a:rPr lang="zh-CN" sz="2400" dirty="0"/>
+              <a:t>一、规约</a:t>
+            </a:r>
+            <a:endParaRPr sz="2400" dirty="0"/>
+          </a:p>
+          <a:p>
+            <a:r>
+              <a:rPr lang="en-US" sz="2400" dirty="0"/>
+              <a:t>	</a:t>
+            </a:r>
+            <a:r>
               <a:rPr sz="2400" dirty="0"/>
-              <a:t>不能简单地把UML的构造块按随机的方式放在一起。像任何语言一样，UML有一套规则，这些规则描述了一个</a:t>
-            </a:r>
+              <a:t>提供了对构造块的语法和语义的文字叙述</a:t>
+            </a:r>
+            <a:endParaRPr sz="2400" dirty="0"/>
+          </a:p>
+          <a:p>
             <a:r>
               <a:rPr lang="zh-CN" sz="2400" dirty="0"/>
-              <a:t>形式</a:t>
-            </a:r>
-            <a:r>
-              <a:rPr sz="2400" dirty="0"/>
-              <a:t>良好的模型看起来应该</a:t>
-            </a:r>
-            <a:r>
-              <a:rPr lang="zh-CN" sz="2400" dirty="0"/>
-              <a:t>是什么样</a:t>
-            </a:r>
-            <a:r>
-              <a:rPr sz="2400" dirty="0"/>
-              <a:t>，UML有</a:t>
-            </a:r>
-            <a:r>
-              <a:rPr lang="zh-CN" sz="2400" dirty="0"/>
-              <a:t>自己的语法和语义规则，用于：</a:t>
+              <a:t>二、修饰</a:t>
             </a:r>
             <a:endParaRPr lang="zh-CN" sz="2400" dirty="0"/>
           </a:p>
@@ -7277,53 +6968,51 @@
             </a:r>
             <a:r>
               <a:rPr lang="zh-CN" sz="2400" dirty="0"/>
-              <a:t>①命名：为事物、关系和图起名。</a:t>
+              <a:t>UML表示法中的每个元素都有一个基本符号，可以把各种修饰细节加到这个符号上。</a:t>
             </a:r>
             <a:endParaRPr lang="zh-CN" sz="2400" dirty="0"/>
           </a:p>
           <a:p>
             <a:r>
+              <a:rPr lang="zh-CN" sz="2400" dirty="0"/>
+              <a:t>三、通用划分</a:t>
+            </a:r>
+            <a:endParaRPr lang="zh-CN" sz="2400" dirty="0"/>
+          </a:p>
+          <a:p>
+            <a:r>
               <a:rPr lang="en-US" altLang="zh-CN" sz="2400" dirty="0"/>
-              <a:t>	</a:t>
-            </a:r>
-            <a:r>
-              <a:rPr lang="zh-CN" sz="2400" dirty="0"/>
-              <a:t>②范围：给一个名称以特定含义的语境。</a:t>
-            </a:r>
-            <a:endParaRPr lang="zh-CN" sz="2400" dirty="0"/>
+              <a:t>	1、对类和对象的划分</a:t>
+            </a:r>
+            <a:endParaRPr lang="en-US" altLang="zh-CN" sz="2400" dirty="0"/>
           </a:p>
           <a:p>
             <a:r>
               <a:rPr lang="en-US" altLang="zh-CN" sz="2400" dirty="0"/>
-              <a:t>	</a:t>
-            </a:r>
-            <a:r>
-              <a:rPr lang="zh-CN" sz="2400" dirty="0"/>
-              <a:t>③可见性：怎样让其他人使用或者看见名称。</a:t>
-            </a:r>
-            <a:endParaRPr lang="zh-CN" sz="2400" dirty="0"/>
+              <a:t>	2、接口和实现的分离</a:t>
+            </a:r>
+            <a:endParaRPr lang="en-US" altLang="zh-CN" sz="2400" dirty="0"/>
           </a:p>
           <a:p>
             <a:r>
               <a:rPr lang="en-US" altLang="zh-CN" sz="2400" dirty="0"/>
-              <a:t>	</a:t>
-            </a:r>
-            <a:r>
-              <a:rPr lang="zh-CN" sz="2400" dirty="0"/>
-              <a:t>④完整性：事物如何正确、一致地相互联系。</a:t>
-            </a:r>
-            <a:endParaRPr lang="zh-CN" sz="2400" dirty="0"/>
+              <a:t>	3、类型和角色的分离</a:t>
+            </a:r>
+            <a:endParaRPr lang="en-US" altLang="zh-CN" sz="2400" dirty="0"/>
           </a:p>
           <a:p>
             <a:r>
               <a:rPr lang="en-US" altLang="zh-CN" sz="2400" dirty="0"/>
-              <a:t>	</a:t>
-            </a:r>
-            <a:r>
-              <a:rPr lang="zh-CN" sz="2400" dirty="0"/>
-              <a:t>⑤执行：运行或模拟动态模型的含义是什么。</a:t>
-            </a:r>
-            <a:endParaRPr lang="zh-CN" sz="2400" dirty="0"/>
+              <a:t>四、扩展机制</a:t>
+            </a:r>
+            <a:endParaRPr lang="en-US" altLang="zh-CN" sz="2400" dirty="0"/>
+          </a:p>
+          <a:p>
+            <a:r>
+              <a:rPr lang="en-US" altLang="zh-CN" sz="2400" dirty="0"/>
+              <a:t>	对UML图示符号的扩展。包括：构造型Stereotype-标注值Taggedvalue-约束Constraint.</a:t>
+            </a:r>
+            <a:endParaRPr lang="en-US" altLang="zh-CN" sz="2400" dirty="0"/>
           </a:p>
         </p:txBody>
       </p:sp>
@@ -7346,320 +7035,6 @@
 </file>
 
 <file path=ppt/slides/slide18.xml><?xml version="1.0" encoding="utf-8"?>
-<p:sld xmlns:a="http://schemas.openxmlformats.org/drawingml/2006/main" xmlns:r="http://schemas.openxmlformats.org/officeDocument/2006/relationships" xmlns:p="http://schemas.openxmlformats.org/presentationml/2006/main">
-  <p:cSld>
-    <p:spTree>
-      <p:nvGrpSpPr>
-        <p:cNvPr id="1" name=""/>
-        <p:cNvGrpSpPr/>
-        <p:nvPr/>
-      </p:nvGrpSpPr>
-      <p:grpSpPr>
-        <a:xfrm>
-          <a:off x="0" y="0"/>
-          <a:ext cx="0" cy="0"/>
-          <a:chOff x="0" y="0"/>
-          <a:chExt cx="0" cy="0"/>
-        </a:xfrm>
-      </p:grpSpPr>
-      <p:sp>
-        <p:nvSpPr>
-          <p:cNvPr id="2" name="矩形 1"/>
-          <p:cNvSpPr/>
-          <p:nvPr/>
-        </p:nvSpPr>
-        <p:spPr>
-          <a:xfrm>
-            <a:off x="237030" y="1171"/>
-            <a:ext cx="1608415" cy="135446"/>
-          </a:xfrm>
-          <a:prstGeom prst="rect">
-            <a:avLst/>
-          </a:prstGeom>
-          <a:solidFill>
-            <a:srgbClr val="183A5D"/>
-          </a:solidFill>
-          <a:ln>
-            <a:noFill/>
-          </a:ln>
-        </p:spPr>
-        <p:style>
-          <a:lnRef idx="2">
-            <a:schemeClr val="accent1">
-              <a:shade val="50000"/>
-            </a:schemeClr>
-          </a:lnRef>
-          <a:fillRef idx="1">
-            <a:schemeClr val="accent1"/>
-          </a:fillRef>
-          <a:effectRef idx="0">
-            <a:schemeClr val="accent1"/>
-          </a:effectRef>
-          <a:fontRef idx="minor">
-            <a:schemeClr val="lt1"/>
-          </a:fontRef>
-        </p:style>
-        <p:txBody>
-          <a:bodyPr rtlCol="0" anchor="ctr"/>
-          <a:lstStyle/>
-          <a:p>
-            <a:pPr algn="ctr"/>
-            <a:endParaRPr lang="zh-CN" altLang="en-US" sz="2800"/>
-          </a:p>
-        </p:txBody>
-      </p:sp>
-      <p:sp>
-        <p:nvSpPr>
-          <p:cNvPr id="3" name="矩形 2"/>
-          <p:cNvSpPr/>
-          <p:nvPr/>
-        </p:nvSpPr>
-        <p:spPr>
-          <a:xfrm>
-            <a:off x="237030" y="255131"/>
-            <a:ext cx="1608415" cy="406336"/>
-          </a:xfrm>
-          <a:prstGeom prst="rect">
-            <a:avLst/>
-          </a:prstGeom>
-          <a:solidFill>
-            <a:srgbClr val="183A5D"/>
-          </a:solidFill>
-          <a:ln>
-            <a:noFill/>
-          </a:ln>
-        </p:spPr>
-        <p:style>
-          <a:lnRef idx="2">
-            <a:schemeClr val="accent1">
-              <a:shade val="50000"/>
-            </a:schemeClr>
-          </a:lnRef>
-          <a:fillRef idx="1">
-            <a:schemeClr val="accent1"/>
-          </a:fillRef>
-          <a:effectRef idx="0">
-            <a:schemeClr val="accent1"/>
-          </a:effectRef>
-          <a:fontRef idx="minor">
-            <a:schemeClr val="lt1"/>
-          </a:fontRef>
-        </p:style>
-        <p:txBody>
-          <a:bodyPr rtlCol="0" anchor="ctr"/>
-          <a:lstStyle/>
-          <a:p>
-            <a:pPr algn="ctr"/>
-            <a:r>
-              <a:rPr lang="en-US" sz="2400" dirty="0"/>
-              <a:t>4</a:t>
-            </a:r>
-            <a:endParaRPr lang="en-US" sz="2400" dirty="0"/>
-          </a:p>
-        </p:txBody>
-      </p:sp>
-      <p:sp>
-        <p:nvSpPr>
-          <p:cNvPr id="4" name="文本框 3"/>
-          <p:cNvSpPr txBox="1"/>
-          <p:nvPr/>
-        </p:nvSpPr>
-        <p:spPr>
-          <a:xfrm>
-            <a:off x="2206068" y="159851"/>
-            <a:ext cx="6052718" cy="501650"/>
-          </a:xfrm>
-          <a:prstGeom prst="rect">
-            <a:avLst/>
-          </a:prstGeom>
-          <a:noFill/>
-        </p:spPr>
-        <p:txBody>
-          <a:bodyPr wrap="square" rtlCol="0">
-            <a:spAutoFit/>
-          </a:bodyPr>
-          <a:lstStyle/>
-          <a:p>
-            <a:r>
-              <a:rPr lang="en-US" altLang="zh-CN" sz="2665" dirty="0">
-                <a:solidFill>
-                  <a:srgbClr val="183A5D"/>
-                </a:solidFill>
-                <a:latin typeface="微软雅黑" panose="020B0503020204020204" pitchFamily="34" charset="-122"/>
-                <a:ea typeface="微软雅黑" panose="020B0503020204020204" pitchFamily="34" charset="-122"/>
-              </a:rPr>
-              <a:t>UML</a:t>
-            </a:r>
-            <a:r>
-              <a:rPr lang="zh-CN" altLang="en-US" sz="2665" dirty="0">
-                <a:solidFill>
-                  <a:srgbClr val="183A5D"/>
-                </a:solidFill>
-                <a:latin typeface="微软雅黑" panose="020B0503020204020204" pitchFamily="34" charset="-122"/>
-                <a:ea typeface="微软雅黑" panose="020B0503020204020204" pitchFamily="34" charset="-122"/>
-              </a:rPr>
-              <a:t>的概念模型</a:t>
-            </a:r>
-            <a:endParaRPr lang="zh-CN" altLang="en-US" sz="2665" dirty="0">
-              <a:solidFill>
-                <a:srgbClr val="183A5D"/>
-              </a:solidFill>
-              <a:latin typeface="微软雅黑" panose="020B0503020204020204" pitchFamily="34" charset="-122"/>
-              <a:ea typeface="微软雅黑" panose="020B0503020204020204" pitchFamily="34" charset="-122"/>
-            </a:endParaRPr>
-          </a:p>
-        </p:txBody>
-      </p:sp>
-      <p:sp>
-        <p:nvSpPr>
-          <p:cNvPr id="8" name="矩形 7"/>
-          <p:cNvSpPr/>
-          <p:nvPr/>
-        </p:nvSpPr>
-        <p:spPr>
-          <a:xfrm>
-            <a:off x="1650365" y="791845"/>
-            <a:ext cx="8174355" cy="583565"/>
-          </a:xfrm>
-          <a:prstGeom prst="rect">
-            <a:avLst/>
-          </a:prstGeom>
-        </p:spPr>
-        <p:txBody>
-          <a:bodyPr wrap="square">
-            <a:spAutoFit/>
-          </a:bodyPr>
-          <a:p>
-            <a:r>
-              <a:rPr lang="en-US" sz="3200" dirty="0"/>
-              <a:t>UML</a:t>
-            </a:r>
-            <a:r>
-              <a:rPr lang="zh-CN" altLang="en-US" sz="3200" dirty="0"/>
-              <a:t>中的公共机制</a:t>
-            </a:r>
-            <a:endParaRPr lang="zh-CN" altLang="en-US" sz="3200" dirty="0"/>
-          </a:p>
-        </p:txBody>
-      </p:sp>
-      <p:sp>
-        <p:nvSpPr>
-          <p:cNvPr id="6" name="矩形 5"/>
-          <p:cNvSpPr/>
-          <p:nvPr/>
-        </p:nvSpPr>
-        <p:spPr>
-          <a:xfrm>
-            <a:off x="651510" y="1300480"/>
-            <a:ext cx="10887075" cy="4523105"/>
-          </a:xfrm>
-          <a:prstGeom prst="rect">
-            <a:avLst/>
-          </a:prstGeom>
-        </p:spPr>
-        <p:txBody>
-          <a:bodyPr wrap="square">
-            <a:spAutoFit/>
-          </a:bodyPr>
-          <a:p>
-            <a:r>
-              <a:rPr lang="zh-CN" sz="2400" dirty="0"/>
-              <a:t>一、规约</a:t>
-            </a:r>
-            <a:endParaRPr sz="2400" dirty="0"/>
-          </a:p>
-          <a:p>
-            <a:r>
-              <a:rPr lang="en-US" sz="2400" dirty="0"/>
-              <a:t>	</a:t>
-            </a:r>
-            <a:r>
-              <a:rPr sz="2400" dirty="0"/>
-              <a:t>提供了对构造块的语法和语义的文字叙述</a:t>
-            </a:r>
-            <a:endParaRPr sz="2400" dirty="0"/>
-          </a:p>
-          <a:p>
-            <a:r>
-              <a:rPr lang="zh-CN" sz="2400" dirty="0"/>
-              <a:t>二、修饰</a:t>
-            </a:r>
-            <a:endParaRPr lang="zh-CN" sz="2400" dirty="0"/>
-          </a:p>
-          <a:p>
-            <a:r>
-              <a:rPr lang="en-US" altLang="zh-CN" sz="2400" dirty="0"/>
-              <a:t>	</a:t>
-            </a:r>
-            <a:r>
-              <a:rPr lang="zh-CN" sz="2400" dirty="0"/>
-              <a:t>UML表示法中的每个元素都有一个基本符号，可以把各种修饰细节加到这个符号上。</a:t>
-            </a:r>
-            <a:endParaRPr lang="zh-CN" sz="2400" dirty="0"/>
-          </a:p>
-          <a:p>
-            <a:r>
-              <a:rPr lang="zh-CN" sz="2400" dirty="0"/>
-              <a:t>三、通用划分</a:t>
-            </a:r>
-            <a:endParaRPr lang="zh-CN" sz="2400" dirty="0"/>
-          </a:p>
-          <a:p>
-            <a:r>
-              <a:rPr lang="en-US" altLang="zh-CN" sz="2400" dirty="0"/>
-              <a:t>	1、对类和对象的划分</a:t>
-            </a:r>
-            <a:endParaRPr lang="en-US" altLang="zh-CN" sz="2400" dirty="0"/>
-          </a:p>
-          <a:p>
-            <a:r>
-              <a:rPr lang="en-US" altLang="zh-CN" sz="2400" dirty="0"/>
-              <a:t>	2、接口和实现的分离</a:t>
-            </a:r>
-            <a:endParaRPr lang="en-US" altLang="zh-CN" sz="2400" dirty="0"/>
-          </a:p>
-          <a:p>
-            <a:r>
-              <a:rPr lang="en-US" altLang="zh-CN" sz="2400" dirty="0"/>
-              <a:t>	3、类型和角色的分离</a:t>
-            </a:r>
-            <a:endParaRPr lang="en-US" altLang="zh-CN" sz="2400" dirty="0"/>
-          </a:p>
-          <a:p>
-            <a:r>
-              <a:rPr lang="en-US" altLang="zh-CN" sz="2400" dirty="0"/>
-              <a:t>四、扩展机制</a:t>
-            </a:r>
-            <a:endParaRPr lang="en-US" altLang="zh-CN" sz="2400" dirty="0"/>
-          </a:p>
-          <a:p>
-            <a:r>
-              <a:rPr lang="en-US" altLang="zh-CN" sz="2400" dirty="0"/>
-              <a:t>	对UML图示符号的扩展。包括：构造型Stereotype-标注值Taggedvalue-约束Constraint.</a:t>
-            </a:r>
-            <a:endParaRPr lang="en-US" altLang="zh-CN" sz="2400" dirty="0"/>
-          </a:p>
-        </p:txBody>
-      </p:sp>
-    </p:spTree>
-  </p:cSld>
-  <p:clrMapOvr>
-    <a:masterClrMapping/>
-  </p:clrMapOvr>
-  <p:transition spd="slow" advClick="0" advTm="0">
-    <p:wipe/>
-  </p:transition>
-  <p:timing>
-    <p:tnLst>
-      <p:par>
-        <p:cTn id="1" dur="indefinite" restart="never" nodeType="tmRoot"/>
-      </p:par>
-    </p:tnLst>
-  </p:timing>
-</p:sld>
-</file>
-
-<file path=ppt/slides/slide19.xml><?xml version="1.0" encoding="utf-8"?>
 <p:sld xmlns:a="http://schemas.openxmlformats.org/drawingml/2006/main" xmlns:r="http://schemas.openxmlformats.org/officeDocument/2006/relationships" xmlns:p="http://schemas.openxmlformats.org/presentationml/2006/main">
   <p:cSld>
     <p:spTree>
@@ -8456,6 +7831,1638 @@
     <p:bldLst>
       <p:bldP spid="36" grpId="0" bldLvl="0" animBg="1"/>
       <p:bldP spid="37" grpId="0"/>
+    </p:bldLst>
+  </p:timing>
+</p:sld>
+</file>
+
+<file path=ppt/slides/slide19.xml><?xml version="1.0" encoding="utf-8"?>
+<p:sld xmlns:a="http://schemas.openxmlformats.org/drawingml/2006/main" xmlns:r="http://schemas.openxmlformats.org/officeDocument/2006/relationships" xmlns:p="http://schemas.openxmlformats.org/presentationml/2006/main">
+  <p:cSld>
+    <p:spTree>
+      <p:nvGrpSpPr>
+        <p:cNvPr id="1" name=""/>
+        <p:cNvGrpSpPr/>
+        <p:nvPr/>
+      </p:nvGrpSpPr>
+      <p:grpSpPr>
+        <a:xfrm>
+          <a:off x="0" y="0"/>
+          <a:ext cx="0" cy="0"/>
+          <a:chOff x="0" y="0"/>
+          <a:chExt cx="0" cy="0"/>
+        </a:xfrm>
+      </p:grpSpPr>
+      <p:cxnSp>
+        <p:nvCxnSpPr>
+          <p:cNvPr id="30" name="直接连接符 29"/>
+          <p:cNvCxnSpPr/>
+          <p:nvPr/>
+        </p:nvCxnSpPr>
+        <p:spPr>
+          <a:xfrm>
+            <a:off x="0" y="740873"/>
+            <a:ext cx="5039227" cy="0"/>
+          </a:xfrm>
+          <a:prstGeom prst="line">
+            <a:avLst/>
+          </a:prstGeom>
+          <a:ln w="12700">
+            <a:solidFill>
+              <a:srgbClr val="A9A9A9"/>
+            </a:solidFill>
+          </a:ln>
+        </p:spPr>
+        <p:style>
+          <a:lnRef idx="1">
+            <a:schemeClr val="accent1"/>
+          </a:lnRef>
+          <a:fillRef idx="0">
+            <a:schemeClr val="accent1"/>
+          </a:fillRef>
+          <a:effectRef idx="0">
+            <a:schemeClr val="accent1"/>
+          </a:effectRef>
+          <a:fontRef idx="minor">
+            <a:schemeClr val="tx1"/>
+          </a:fontRef>
+        </p:style>
+      </p:cxnSp>
+      <p:cxnSp>
+        <p:nvCxnSpPr>
+          <p:cNvPr id="31" name="直接连接符 30"/>
+          <p:cNvCxnSpPr/>
+          <p:nvPr/>
+        </p:nvCxnSpPr>
+        <p:spPr>
+          <a:xfrm>
+            <a:off x="7151186" y="740873"/>
+            <a:ext cx="5039227" cy="0"/>
+          </a:xfrm>
+          <a:prstGeom prst="line">
+            <a:avLst/>
+          </a:prstGeom>
+          <a:ln w="12700">
+            <a:solidFill>
+              <a:srgbClr val="A9A9A9"/>
+            </a:solidFill>
+          </a:ln>
+        </p:spPr>
+        <p:style>
+          <a:lnRef idx="1">
+            <a:schemeClr val="accent1"/>
+          </a:lnRef>
+          <a:fillRef idx="0">
+            <a:schemeClr val="accent1"/>
+          </a:fillRef>
+          <a:effectRef idx="0">
+            <a:schemeClr val="accent1"/>
+          </a:effectRef>
+          <a:fontRef idx="minor">
+            <a:schemeClr val="tx1"/>
+          </a:fontRef>
+        </p:style>
+      </p:cxnSp>
+      <p:sp>
+        <p:nvSpPr>
+          <p:cNvPr id="32" name="矩形 31"/>
+          <p:cNvSpPr/>
+          <p:nvPr/>
+        </p:nvSpPr>
+        <p:spPr>
+          <a:xfrm>
+            <a:off x="1" y="6406814"/>
+            <a:ext cx="3041773" cy="452774"/>
+          </a:xfrm>
+          <a:prstGeom prst="rect">
+            <a:avLst/>
+          </a:prstGeom>
+          <a:solidFill>
+            <a:srgbClr val="EF7768"/>
+          </a:solidFill>
+          <a:ln>
+            <a:noFill/>
+          </a:ln>
+        </p:spPr>
+        <p:style>
+          <a:lnRef idx="2">
+            <a:schemeClr val="accent1">
+              <a:shade val="50000"/>
+            </a:schemeClr>
+          </a:lnRef>
+          <a:fillRef idx="1">
+            <a:schemeClr val="accent1"/>
+          </a:fillRef>
+          <a:effectRef idx="0">
+            <a:schemeClr val="accent1"/>
+          </a:effectRef>
+          <a:fontRef idx="minor">
+            <a:schemeClr val="lt1"/>
+          </a:fontRef>
+        </p:style>
+        <p:txBody>
+          <a:bodyPr lIns="121917" tIns="60958" rIns="121917" bIns="60958" rtlCol="0" anchor="ctr"/>
+          <a:lstStyle/>
+          <a:p>
+            <a:pPr algn="ctr"/>
+            <a:endParaRPr lang="zh-CN" altLang="en-US"/>
+          </a:p>
+        </p:txBody>
+      </p:sp>
+      <p:sp>
+        <p:nvSpPr>
+          <p:cNvPr id="33" name="矩形 32"/>
+          <p:cNvSpPr/>
+          <p:nvPr/>
+        </p:nvSpPr>
+        <p:spPr>
+          <a:xfrm>
+            <a:off x="3041775" y="6406814"/>
+            <a:ext cx="3063750" cy="452774"/>
+          </a:xfrm>
+          <a:prstGeom prst="rect">
+            <a:avLst/>
+          </a:prstGeom>
+          <a:solidFill>
+            <a:srgbClr val="C7C7C7"/>
+          </a:solidFill>
+          <a:ln>
+            <a:noFill/>
+          </a:ln>
+        </p:spPr>
+        <p:style>
+          <a:lnRef idx="2">
+            <a:schemeClr val="accent1">
+              <a:shade val="50000"/>
+            </a:schemeClr>
+          </a:lnRef>
+          <a:fillRef idx="1">
+            <a:schemeClr val="accent1"/>
+          </a:fillRef>
+          <a:effectRef idx="0">
+            <a:schemeClr val="accent1"/>
+          </a:effectRef>
+          <a:fontRef idx="minor">
+            <a:schemeClr val="lt1"/>
+          </a:fontRef>
+        </p:style>
+        <p:txBody>
+          <a:bodyPr lIns="121917" tIns="60958" rIns="121917" bIns="60958" rtlCol="0" anchor="ctr"/>
+          <a:lstStyle/>
+          <a:p>
+            <a:pPr algn="ctr"/>
+            <a:endParaRPr lang="zh-CN" altLang="en-US"/>
+          </a:p>
+        </p:txBody>
+      </p:sp>
+      <p:sp>
+        <p:nvSpPr>
+          <p:cNvPr id="34" name="矩形 33"/>
+          <p:cNvSpPr/>
+          <p:nvPr/>
+        </p:nvSpPr>
+        <p:spPr>
+          <a:xfrm>
+            <a:off x="6095207" y="6406814"/>
+            <a:ext cx="3047603" cy="452774"/>
+          </a:xfrm>
+          <a:prstGeom prst="rect">
+            <a:avLst/>
+          </a:prstGeom>
+          <a:solidFill>
+            <a:srgbClr val="38B1BF"/>
+          </a:solidFill>
+          <a:ln>
+            <a:noFill/>
+          </a:ln>
+        </p:spPr>
+        <p:style>
+          <a:lnRef idx="2">
+            <a:schemeClr val="accent1">
+              <a:shade val="50000"/>
+            </a:schemeClr>
+          </a:lnRef>
+          <a:fillRef idx="1">
+            <a:schemeClr val="accent1"/>
+          </a:fillRef>
+          <a:effectRef idx="0">
+            <a:schemeClr val="accent1"/>
+          </a:effectRef>
+          <a:fontRef idx="minor">
+            <a:schemeClr val="lt1"/>
+          </a:fontRef>
+        </p:style>
+        <p:txBody>
+          <a:bodyPr lIns="121917" tIns="60958" rIns="121917" bIns="60958" rtlCol="0" anchor="ctr"/>
+          <a:lstStyle/>
+          <a:p>
+            <a:pPr algn="ctr"/>
+            <a:endParaRPr lang="zh-CN" altLang="en-US"/>
+          </a:p>
+        </p:txBody>
+      </p:sp>
+      <p:sp>
+        <p:nvSpPr>
+          <p:cNvPr id="35" name="矩形 34"/>
+          <p:cNvSpPr/>
+          <p:nvPr/>
+        </p:nvSpPr>
+        <p:spPr>
+          <a:xfrm>
+            <a:off x="9142810" y="6406814"/>
+            <a:ext cx="3047603" cy="452774"/>
+          </a:xfrm>
+          <a:prstGeom prst="rect">
+            <a:avLst/>
+          </a:prstGeom>
+          <a:solidFill>
+            <a:srgbClr val="FF9933"/>
+          </a:solidFill>
+          <a:ln>
+            <a:noFill/>
+          </a:ln>
+        </p:spPr>
+        <p:style>
+          <a:lnRef idx="2">
+            <a:schemeClr val="accent1">
+              <a:shade val="50000"/>
+            </a:schemeClr>
+          </a:lnRef>
+          <a:fillRef idx="1">
+            <a:schemeClr val="accent1"/>
+          </a:fillRef>
+          <a:effectRef idx="0">
+            <a:schemeClr val="accent1"/>
+          </a:effectRef>
+          <a:fontRef idx="minor">
+            <a:schemeClr val="lt1"/>
+          </a:fontRef>
+        </p:style>
+        <p:txBody>
+          <a:bodyPr lIns="121917" tIns="60958" rIns="121917" bIns="60958" rtlCol="0" anchor="ctr"/>
+          <a:lstStyle/>
+          <a:p>
+            <a:pPr algn="ctr"/>
+            <a:endParaRPr lang="zh-CN" altLang="en-US"/>
+          </a:p>
+        </p:txBody>
+      </p:sp>
+      <p:sp>
+        <p:nvSpPr>
+          <p:cNvPr id="36" name="矩形 35"/>
+          <p:cNvSpPr/>
+          <p:nvPr/>
+        </p:nvSpPr>
+        <p:spPr>
+          <a:xfrm>
+            <a:off x="0" y="-27390"/>
+            <a:ext cx="3047603" cy="123423"/>
+          </a:xfrm>
+          <a:prstGeom prst="rect">
+            <a:avLst/>
+          </a:prstGeom>
+          <a:solidFill>
+            <a:srgbClr val="EF7768"/>
+          </a:solidFill>
+          <a:ln>
+            <a:noFill/>
+          </a:ln>
+        </p:spPr>
+        <p:style>
+          <a:lnRef idx="2">
+            <a:schemeClr val="accent1">
+              <a:shade val="50000"/>
+            </a:schemeClr>
+          </a:lnRef>
+          <a:fillRef idx="1">
+            <a:schemeClr val="accent1"/>
+          </a:fillRef>
+          <a:effectRef idx="0">
+            <a:schemeClr val="accent1"/>
+          </a:effectRef>
+          <a:fontRef idx="minor">
+            <a:schemeClr val="lt1"/>
+          </a:fontRef>
+        </p:style>
+        <p:txBody>
+          <a:bodyPr lIns="121917" tIns="60958" rIns="121917" bIns="60958" rtlCol="0" anchor="ctr"/>
+          <a:lstStyle/>
+          <a:p>
+            <a:pPr algn="ctr"/>
+            <a:endParaRPr lang="zh-CN" altLang="en-US"/>
+          </a:p>
+        </p:txBody>
+      </p:sp>
+      <p:sp>
+        <p:nvSpPr>
+          <p:cNvPr id="37" name="矩形 36"/>
+          <p:cNvSpPr/>
+          <p:nvPr/>
+        </p:nvSpPr>
+        <p:spPr>
+          <a:xfrm>
+            <a:off x="3047603" y="-27390"/>
+            <a:ext cx="3047603" cy="123423"/>
+          </a:xfrm>
+          <a:prstGeom prst="rect">
+            <a:avLst/>
+          </a:prstGeom>
+          <a:solidFill>
+            <a:srgbClr val="C7C7C7"/>
+          </a:solidFill>
+          <a:ln>
+            <a:noFill/>
+          </a:ln>
+        </p:spPr>
+        <p:style>
+          <a:lnRef idx="2">
+            <a:schemeClr val="accent1">
+              <a:shade val="50000"/>
+            </a:schemeClr>
+          </a:lnRef>
+          <a:fillRef idx="1">
+            <a:schemeClr val="accent1"/>
+          </a:fillRef>
+          <a:effectRef idx="0">
+            <a:schemeClr val="accent1"/>
+          </a:effectRef>
+          <a:fontRef idx="minor">
+            <a:schemeClr val="lt1"/>
+          </a:fontRef>
+        </p:style>
+        <p:txBody>
+          <a:bodyPr lIns="121917" tIns="60958" rIns="121917" bIns="60958" rtlCol="0" anchor="ctr"/>
+          <a:lstStyle/>
+          <a:p>
+            <a:pPr algn="ctr"/>
+            <a:endParaRPr lang="zh-CN" altLang="en-US"/>
+          </a:p>
+        </p:txBody>
+      </p:sp>
+      <p:sp>
+        <p:nvSpPr>
+          <p:cNvPr id="38" name="矩形 37"/>
+          <p:cNvSpPr/>
+          <p:nvPr/>
+        </p:nvSpPr>
+        <p:spPr>
+          <a:xfrm>
+            <a:off x="6095207" y="-27390"/>
+            <a:ext cx="3047603" cy="123423"/>
+          </a:xfrm>
+          <a:prstGeom prst="rect">
+            <a:avLst/>
+          </a:prstGeom>
+          <a:solidFill>
+            <a:srgbClr val="38B1BF"/>
+          </a:solidFill>
+          <a:ln>
+            <a:noFill/>
+          </a:ln>
+        </p:spPr>
+        <p:style>
+          <a:lnRef idx="2">
+            <a:schemeClr val="accent1">
+              <a:shade val="50000"/>
+            </a:schemeClr>
+          </a:lnRef>
+          <a:fillRef idx="1">
+            <a:schemeClr val="accent1"/>
+          </a:fillRef>
+          <a:effectRef idx="0">
+            <a:schemeClr val="accent1"/>
+          </a:effectRef>
+          <a:fontRef idx="minor">
+            <a:schemeClr val="lt1"/>
+          </a:fontRef>
+        </p:style>
+        <p:txBody>
+          <a:bodyPr lIns="121917" tIns="60958" rIns="121917" bIns="60958" rtlCol="0" anchor="ctr"/>
+          <a:lstStyle/>
+          <a:p>
+            <a:pPr algn="ctr"/>
+            <a:endParaRPr lang="zh-CN" altLang="en-US"/>
+          </a:p>
+        </p:txBody>
+      </p:sp>
+      <p:sp>
+        <p:nvSpPr>
+          <p:cNvPr id="39" name="矩形 38"/>
+          <p:cNvSpPr/>
+          <p:nvPr/>
+        </p:nvSpPr>
+        <p:spPr>
+          <a:xfrm>
+            <a:off x="9142810" y="-27390"/>
+            <a:ext cx="3047603" cy="123423"/>
+          </a:xfrm>
+          <a:prstGeom prst="rect">
+            <a:avLst/>
+          </a:prstGeom>
+          <a:solidFill>
+            <a:srgbClr val="FF9933"/>
+          </a:solidFill>
+          <a:ln>
+            <a:noFill/>
+          </a:ln>
+        </p:spPr>
+        <p:style>
+          <a:lnRef idx="2">
+            <a:schemeClr val="accent1">
+              <a:shade val="50000"/>
+            </a:schemeClr>
+          </a:lnRef>
+          <a:fillRef idx="1">
+            <a:schemeClr val="accent1"/>
+          </a:fillRef>
+          <a:effectRef idx="0">
+            <a:schemeClr val="accent1"/>
+          </a:effectRef>
+          <a:fontRef idx="minor">
+            <a:schemeClr val="lt1"/>
+          </a:fontRef>
+        </p:style>
+        <p:txBody>
+          <a:bodyPr lIns="121917" tIns="60958" rIns="121917" bIns="60958" rtlCol="0" anchor="ctr"/>
+          <a:lstStyle/>
+          <a:p>
+            <a:pPr algn="ctr"/>
+            <a:endParaRPr lang="zh-CN" altLang="en-US"/>
+          </a:p>
+        </p:txBody>
+      </p:sp>
+      <p:sp>
+        <p:nvSpPr>
+          <p:cNvPr id="41" name="文本框 5"/>
+          <p:cNvSpPr txBox="1"/>
+          <p:nvPr/>
+        </p:nvSpPr>
+        <p:spPr>
+          <a:xfrm>
+            <a:off x="3663094" y="4778722"/>
+            <a:ext cx="2552267" cy="384705"/>
+          </a:xfrm>
+          <a:prstGeom prst="rect">
+            <a:avLst/>
+          </a:prstGeom>
+          <a:noFill/>
+        </p:spPr>
+        <p:txBody>
+          <a:bodyPr wrap="none" lIns="91423" tIns="45712" rIns="91423" bIns="45712" rtlCol="0">
+            <a:spAutoFit/>
+          </a:bodyPr>
+          <a:lstStyle/>
+          <a:p>
+            <a:pPr algn="ctr"/>
+            <a:r>
+              <a:rPr lang="en-US" altLang="zh-CN" sz="1900" dirty="0">
+                <a:solidFill>
+                  <a:schemeClr val="tx1">
+                    <a:lumMod val="85000"/>
+                    <a:lumOff val="15000"/>
+                  </a:schemeClr>
+                </a:solidFill>
+                <a:latin typeface="微软雅黑" panose="020B0503020204020204" pitchFamily="34" charset="-122"/>
+                <a:ea typeface="微软雅黑" panose="020B0503020204020204" pitchFamily="34" charset="-122"/>
+              </a:rPr>
+              <a:t>PRD</a:t>
+            </a:r>
+            <a:r>
+              <a:rPr lang="en-US" sz="1900" dirty="0" smtClean="0">
+                <a:solidFill>
+                  <a:schemeClr val="tx1">
+                    <a:lumMod val="85000"/>
+                    <a:lumOff val="15000"/>
+                  </a:schemeClr>
+                </a:solidFill>
+                <a:latin typeface="微软雅黑" panose="020B0503020204020204" pitchFamily="34" charset="-122"/>
+                <a:ea typeface="微软雅黑" panose="020B0503020204020204" pitchFamily="34" charset="-122"/>
+              </a:rPr>
+              <a:t>2018</a:t>
+            </a:r>
+            <a:r>
+              <a:rPr lang="zh-CN" altLang="en-US" sz="1900" dirty="0">
+                <a:solidFill>
+                  <a:schemeClr val="tx1">
+                    <a:lumMod val="85000"/>
+                    <a:lumOff val="15000"/>
+                  </a:schemeClr>
+                </a:solidFill>
+                <a:latin typeface="微软雅黑" panose="020B0503020204020204" pitchFamily="34" charset="-122"/>
+                <a:ea typeface="微软雅黑" panose="020B0503020204020204" pitchFamily="34" charset="-122"/>
+              </a:rPr>
+              <a:t>秋</a:t>
+            </a:r>
+            <a:r>
+              <a:rPr lang="en-US" altLang="zh-CN" sz="1900" dirty="0" smtClean="0">
+                <a:solidFill>
+                  <a:schemeClr val="tx1">
+                    <a:lumMod val="85000"/>
+                    <a:lumOff val="15000"/>
+                  </a:schemeClr>
+                </a:solidFill>
+                <a:latin typeface="微软雅黑" panose="020B0503020204020204" pitchFamily="34" charset="-122"/>
+                <a:ea typeface="微软雅黑" panose="020B0503020204020204" pitchFamily="34" charset="-122"/>
+              </a:rPr>
+              <a:t>-</a:t>
+            </a:r>
+            <a:r>
+              <a:rPr lang="en-US" sz="1900" dirty="0" smtClean="0">
+                <a:solidFill>
+                  <a:schemeClr val="tx1">
+                    <a:lumMod val="85000"/>
+                    <a:lumOff val="15000"/>
+                  </a:schemeClr>
+                </a:solidFill>
+                <a:latin typeface="微软雅黑" panose="020B0503020204020204" pitchFamily="34" charset="-122"/>
+                <a:ea typeface="微软雅黑" panose="020B0503020204020204" pitchFamily="34" charset="-122"/>
+              </a:rPr>
+              <a:t>G11</a:t>
+            </a:r>
+            <a:r>
+              <a:rPr lang="zh-CN" altLang="en-US" sz="1900" dirty="0" smtClean="0">
+                <a:solidFill>
+                  <a:schemeClr val="tx1">
+                    <a:lumMod val="85000"/>
+                    <a:lumOff val="15000"/>
+                  </a:schemeClr>
+                </a:solidFill>
+                <a:latin typeface="微软雅黑" panose="020B0503020204020204" pitchFamily="34" charset="-122"/>
+                <a:ea typeface="微软雅黑" panose="020B0503020204020204" pitchFamily="34" charset="-122"/>
+              </a:rPr>
+              <a:t>小组</a:t>
+            </a:r>
+            <a:endParaRPr lang="zh-CN" altLang="en-US" sz="1900" dirty="0">
+              <a:solidFill>
+                <a:schemeClr val="tx1">
+                  <a:lumMod val="85000"/>
+                  <a:lumOff val="15000"/>
+                </a:schemeClr>
+              </a:solidFill>
+              <a:latin typeface="微软雅黑" panose="020B0503020204020204" pitchFamily="34" charset="-122"/>
+              <a:ea typeface="微软雅黑" panose="020B0503020204020204" pitchFamily="34" charset="-122"/>
+            </a:endParaRPr>
+          </a:p>
+        </p:txBody>
+      </p:sp>
+      <p:sp>
+        <p:nvSpPr>
+          <p:cNvPr id="42" name="矩形 41"/>
+          <p:cNvSpPr/>
+          <p:nvPr/>
+        </p:nvSpPr>
+        <p:spPr>
+          <a:xfrm>
+            <a:off x="4110906" y="3692461"/>
+            <a:ext cx="3975100" cy="643890"/>
+          </a:xfrm>
+          <a:prstGeom prst="rect">
+            <a:avLst/>
+          </a:prstGeom>
+          <a:noFill/>
+          <a:ln>
+            <a:noFill/>
+          </a:ln>
+          <a:effectLst>
+            <a:glow rad="1905000">
+              <a:srgbClr val="F14124">
+                <a:alpha val="40000"/>
+              </a:srgbClr>
+            </a:glow>
+            <a:softEdge rad="1270000"/>
+          </a:effectLst>
+        </p:spPr>
+        <p:txBody>
+          <a:bodyPr wrap="none" lIns="91423" tIns="45712" rIns="91423" bIns="45712">
+            <a:spAutoFit/>
+          </a:bodyPr>
+          <a:lstStyle/>
+          <a:p>
+            <a:pPr algn="ctr"/>
+            <a:r>
+              <a:rPr lang="zh-CN" altLang="en-US" sz="3600" b="1" dirty="0">
+                <a:solidFill>
+                  <a:schemeClr val="tx1">
+                    <a:lumMod val="75000"/>
+                    <a:lumOff val="25000"/>
+                  </a:schemeClr>
+                </a:solidFill>
+                <a:latin typeface="微软雅黑" panose="020B0503020204020204" pitchFamily="34" charset="-122"/>
+                <a:ea typeface="微软雅黑" panose="020B0503020204020204" pitchFamily="34" charset="-122"/>
+              </a:rPr>
+              <a:t>汇报结束 感谢观看</a:t>
+            </a:r>
+            <a:endParaRPr lang="zh-CN" altLang="en-US" sz="3600" b="1" dirty="0">
+              <a:solidFill>
+                <a:schemeClr val="tx1">
+                  <a:lumMod val="75000"/>
+                  <a:lumOff val="25000"/>
+                </a:schemeClr>
+              </a:solidFill>
+              <a:latin typeface="微软雅黑" panose="020B0503020204020204" pitchFamily="34" charset="-122"/>
+              <a:ea typeface="微软雅黑" panose="020B0503020204020204" pitchFamily="34" charset="-122"/>
+            </a:endParaRPr>
+          </a:p>
+        </p:txBody>
+      </p:sp>
+      <p:sp>
+        <p:nvSpPr>
+          <p:cNvPr id="43" name="文本框 5"/>
+          <p:cNvSpPr txBox="1"/>
+          <p:nvPr/>
+        </p:nvSpPr>
+        <p:spPr>
+          <a:xfrm>
+            <a:off x="6349371" y="4778722"/>
+            <a:ext cx="1914272" cy="384705"/>
+          </a:xfrm>
+          <a:prstGeom prst="rect">
+            <a:avLst/>
+          </a:prstGeom>
+          <a:noFill/>
+        </p:spPr>
+        <p:txBody>
+          <a:bodyPr wrap="none" lIns="91423" tIns="45712" rIns="91423" bIns="45712" rtlCol="0">
+            <a:spAutoFit/>
+          </a:bodyPr>
+          <a:lstStyle/>
+          <a:p>
+            <a:pPr algn="ctr"/>
+            <a:r>
+              <a:rPr lang="en-US" altLang="zh-CN" sz="1900" dirty="0" smtClean="0">
+                <a:solidFill>
+                  <a:schemeClr val="tx1">
+                    <a:lumMod val="85000"/>
+                    <a:lumOff val="15000"/>
+                  </a:schemeClr>
+                </a:solidFill>
+                <a:latin typeface="微软雅黑" panose="020B0503020204020204" pitchFamily="34" charset="-122"/>
+                <a:ea typeface="微软雅黑" panose="020B0503020204020204" pitchFamily="34" charset="-122"/>
+              </a:rPr>
+              <a:t>2018</a:t>
+            </a:r>
+            <a:r>
+              <a:rPr lang="zh-CN" altLang="en-US" sz="1900" dirty="0" smtClean="0">
+                <a:solidFill>
+                  <a:schemeClr val="tx1">
+                    <a:lumMod val="85000"/>
+                    <a:lumOff val="15000"/>
+                  </a:schemeClr>
+                </a:solidFill>
+                <a:latin typeface="微软雅黑" panose="020B0503020204020204" pitchFamily="34" charset="-122"/>
+                <a:ea typeface="微软雅黑" panose="020B0503020204020204" pitchFamily="34" charset="-122"/>
+              </a:rPr>
+              <a:t>年</a:t>
+            </a:r>
+            <a:r>
+              <a:rPr lang="en-US" altLang="zh-CN" sz="1900" dirty="0">
+                <a:solidFill>
+                  <a:schemeClr val="tx1">
+                    <a:lumMod val="85000"/>
+                    <a:lumOff val="15000"/>
+                  </a:schemeClr>
+                </a:solidFill>
+                <a:latin typeface="微软雅黑" panose="020B0503020204020204" pitchFamily="34" charset="-122"/>
+                <a:ea typeface="微软雅黑" panose="020B0503020204020204" pitchFamily="34" charset="-122"/>
+              </a:rPr>
+              <a:t>9</a:t>
+            </a:r>
+            <a:r>
+              <a:rPr lang="zh-CN" altLang="en-US" sz="1900" dirty="0" smtClean="0">
+                <a:solidFill>
+                  <a:schemeClr val="tx1">
+                    <a:lumMod val="85000"/>
+                    <a:lumOff val="15000"/>
+                  </a:schemeClr>
+                </a:solidFill>
+                <a:latin typeface="微软雅黑" panose="020B0503020204020204" pitchFamily="34" charset="-122"/>
+                <a:ea typeface="微软雅黑" panose="020B0503020204020204" pitchFamily="34" charset="-122"/>
+              </a:rPr>
+              <a:t>月</a:t>
+            </a:r>
+            <a:r>
+              <a:rPr lang="en-US" altLang="zh-CN" sz="1900" dirty="0" smtClean="0">
+                <a:solidFill>
+                  <a:schemeClr val="tx1">
+                    <a:lumMod val="85000"/>
+                    <a:lumOff val="15000"/>
+                  </a:schemeClr>
+                </a:solidFill>
+                <a:latin typeface="微软雅黑" panose="020B0503020204020204" pitchFamily="34" charset="-122"/>
+                <a:ea typeface="微软雅黑" panose="020B0503020204020204" pitchFamily="34" charset="-122"/>
+              </a:rPr>
+              <a:t>30</a:t>
+            </a:r>
+            <a:r>
+              <a:rPr lang="zh-CN" altLang="en-US" sz="1900" dirty="0" smtClean="0">
+                <a:solidFill>
+                  <a:schemeClr val="tx1">
+                    <a:lumMod val="85000"/>
+                    <a:lumOff val="15000"/>
+                  </a:schemeClr>
+                </a:solidFill>
+                <a:latin typeface="微软雅黑" panose="020B0503020204020204" pitchFamily="34" charset="-122"/>
+                <a:ea typeface="微软雅黑" panose="020B0503020204020204" pitchFamily="34" charset="-122"/>
+              </a:rPr>
+              <a:t>日</a:t>
+            </a:r>
+            <a:endParaRPr lang="zh-CN" altLang="en-US" sz="1900" dirty="0">
+              <a:solidFill>
+                <a:schemeClr val="tx1">
+                  <a:lumMod val="85000"/>
+                  <a:lumOff val="15000"/>
+                </a:schemeClr>
+              </a:solidFill>
+              <a:latin typeface="微软雅黑" panose="020B0503020204020204" pitchFamily="34" charset="-122"/>
+              <a:ea typeface="微软雅黑" panose="020B0503020204020204" pitchFamily="34" charset="-122"/>
+            </a:endParaRPr>
+          </a:p>
+        </p:txBody>
+      </p:sp>
+      <p:cxnSp>
+        <p:nvCxnSpPr>
+          <p:cNvPr id="44" name="直接连接符 43"/>
+          <p:cNvCxnSpPr/>
+          <p:nvPr/>
+        </p:nvCxnSpPr>
+        <p:spPr>
+          <a:xfrm>
+            <a:off x="2639273" y="4529730"/>
+            <a:ext cx="6911868" cy="0"/>
+          </a:xfrm>
+          <a:prstGeom prst="line">
+            <a:avLst/>
+          </a:prstGeom>
+          <a:ln>
+            <a:solidFill>
+              <a:srgbClr val="38B1BF"/>
+            </a:solidFill>
+          </a:ln>
+        </p:spPr>
+        <p:style>
+          <a:lnRef idx="1">
+            <a:schemeClr val="accent1"/>
+          </a:lnRef>
+          <a:fillRef idx="0">
+            <a:schemeClr val="accent1"/>
+          </a:fillRef>
+          <a:effectRef idx="0">
+            <a:schemeClr val="accent1"/>
+          </a:effectRef>
+          <a:fontRef idx="minor">
+            <a:schemeClr val="tx1"/>
+          </a:fontRef>
+        </p:style>
+      </p:cxnSp>
+      <p:pic>
+        <p:nvPicPr>
+          <p:cNvPr id="46" name="商务.mp3">
+            <a:hlinkClick r:id="" action="ppaction://media"/>
+          </p:cNvPr>
+          <p:cNvPicPr>
+            <a:picLocks noChangeAspect="1"/>
+          </p:cNvPicPr>
+          <p:nvPr>
+            <a:audioFile r:link="rId1"/>
+            <p:extLst>
+              <p:ext uri="{DAA4B4D4-6D71-4841-9C94-3DE7FCFB9230}">
+                <p14:media xmlns:p14="http://schemas.microsoft.com/office/powerpoint/2010/main" r:embed="rId2"/>
+              </p:ext>
+            </p:extLst>
+          </p:nvPr>
+        </p:nvPicPr>
+        <p:blipFill>
+          <a:blip r:embed="rId3"/>
+          <a:stretch>
+            <a:fillRect/>
+          </a:stretch>
+        </p:blipFill>
+        <p:spPr>
+          <a:xfrm>
+            <a:off x="12418122" y="6197364"/>
+            <a:ext cx="812694" cy="812988"/>
+          </a:xfrm>
+          <a:prstGeom prst="rect">
+            <a:avLst/>
+          </a:prstGeom>
+        </p:spPr>
+      </p:pic>
+      <p:sp>
+        <p:nvSpPr>
+          <p:cNvPr id="2" name="文本框 1"/>
+          <p:cNvSpPr txBox="1"/>
+          <p:nvPr/>
+        </p:nvSpPr>
+        <p:spPr>
+          <a:xfrm>
+            <a:off x="4051300" y="5527040"/>
+            <a:ext cx="4747895" cy="414020"/>
+          </a:xfrm>
+          <a:prstGeom prst="rect">
+            <a:avLst/>
+          </a:prstGeom>
+          <a:noFill/>
+        </p:spPr>
+        <p:txBody>
+          <a:bodyPr wrap="square" rtlCol="0">
+            <a:spAutoFit/>
+          </a:bodyPr>
+          <a:lstStyle/>
+          <a:p>
+            <a:r>
+              <a:rPr lang="zh-CN" altLang="en-US" kern="300" spc="2000">
+                <a:solidFill>
+                  <a:schemeClr val="tx1"/>
+                </a:solidFill>
+                <a:uFillTx/>
+                <a:latin typeface="+中文标题" charset="0"/>
+                <a:ea typeface="+mj-ea"/>
+              </a:rPr>
+              <a:t>浙江大学城市学院</a:t>
+            </a:r>
+            <a:endParaRPr lang="zh-CN" altLang="en-US" kern="300" spc="2000">
+              <a:solidFill>
+                <a:schemeClr val="tx1"/>
+              </a:solidFill>
+              <a:uFillTx/>
+              <a:latin typeface="+中文标题" charset="0"/>
+              <a:ea typeface="+mj-ea"/>
+            </a:endParaRPr>
+          </a:p>
+        </p:txBody>
+      </p:sp>
+    </p:spTree>
+  </p:cSld>
+  <p:clrMapOvr>
+    <a:masterClrMapping/>
+  </p:clrMapOvr>
+  <mc:AlternateContent xmlns:mc="http://schemas.openxmlformats.org/markup-compatibility/2006">
+    <mc:Choice xmlns:p14="http://schemas.microsoft.com/office/powerpoint/2010/main" Requires="p14">
+      <p:transition spd="slow" p14:dur="1600" advClick="0" advTm="0">
+        <p:blinds dir="vert"/>
+      </p:transition>
+    </mc:Choice>
+    <mc:Fallback>
+      <p:transition spd="slow" advClick="0" advTm="0">
+        <p:blinds dir="vert"/>
+      </p:transition>
+    </mc:Fallback>
+  </mc:AlternateContent>
+  <p:timing>
+    <p:tnLst>
+      <p:par>
+        <p:cTn id="1" dur="indefinite" restart="never" nodeType="tmRoot">
+          <p:childTnLst>
+            <p:seq concurrent="1" nextAc="seek">
+              <p:cTn id="2" dur="indefinite" nodeType="mainSeq">
+                <p:childTnLst>
+                  <p:par>
+                    <p:cTn id="3" fill="hold">
+                      <p:stCondLst>
+                        <p:cond delay="indefinite"/>
+                        <p:cond evt="onBegin" delay="0">
+                          <p:tn val="2"/>
+                        </p:cond>
+                      </p:stCondLst>
+                      <p:childTnLst>
+                        <p:par>
+                          <p:cTn id="4" fill="hold">
+                            <p:stCondLst>
+                              <p:cond delay="0"/>
+                            </p:stCondLst>
+                            <p:childTnLst>
+                              <p:par>
+                                <p:cTn id="5" presetID="1" presetClass="mediacall" presetSubtype="0" fill="hold" nodeType="withEffect">
+                                  <p:stCondLst>
+                                    <p:cond delay="0"/>
+                                  </p:stCondLst>
+                                  <p:childTnLst>
+                                    <p:cmd type="call" cmd="playFrom(0.0)">
+                                      <p:cBhvr>
+                                        <p:cTn id="6" dur="1" fill="hold"/>
+                                        <p:tgtEl>
+                                          <p:spTgt spid="46"/>
+                                        </p:tgtEl>
+                                      </p:cBhvr>
+                                    </p:cmd>
+                                  </p:childTnLst>
+                                </p:cTn>
+                              </p:par>
+                              <p:par>
+                                <p:cTn id="7" presetID="10" presetClass="entr" presetSubtype="0" fill="hold" grpId="0" nodeType="withEffect">
+                                  <p:stCondLst>
+                                    <p:cond delay="0"/>
+                                  </p:stCondLst>
+                                  <p:childTnLst>
+                                    <p:set>
+                                      <p:cBhvr>
+                                        <p:cTn id="8" dur="1" fill="hold">
+                                          <p:stCondLst>
+                                            <p:cond delay="0"/>
+                                          </p:stCondLst>
+                                        </p:cTn>
+                                        <p:tgtEl>
+                                          <p:spTgt spid="36"/>
+                                        </p:tgtEl>
+                                        <p:attrNameLst>
+                                          <p:attrName>style.visibility</p:attrName>
+                                        </p:attrNameLst>
+                                      </p:cBhvr>
+                                      <p:to>
+                                        <p:strVal val="visible"/>
+                                      </p:to>
+                                    </p:set>
+                                    <p:animEffect transition="in" filter="fade">
+                                      <p:cBhvr>
+                                        <p:cTn id="9" dur="200"/>
+                                        <p:tgtEl>
+                                          <p:spTgt spid="36"/>
+                                        </p:tgtEl>
+                                      </p:cBhvr>
+                                    </p:animEffect>
+                                  </p:childTnLst>
+                                </p:cTn>
+                              </p:par>
+                              <p:par>
+                                <p:cTn id="10" presetID="10" presetClass="entr" presetSubtype="0" fill="hold" grpId="0" nodeType="withEffect">
+                                  <p:stCondLst>
+                                    <p:cond delay="0"/>
+                                  </p:stCondLst>
+                                  <p:childTnLst>
+                                    <p:set>
+                                      <p:cBhvr>
+                                        <p:cTn id="11" dur="1" fill="hold">
+                                          <p:stCondLst>
+                                            <p:cond delay="0"/>
+                                          </p:stCondLst>
+                                        </p:cTn>
+                                        <p:tgtEl>
+                                          <p:spTgt spid="37"/>
+                                        </p:tgtEl>
+                                        <p:attrNameLst>
+                                          <p:attrName>style.visibility</p:attrName>
+                                        </p:attrNameLst>
+                                      </p:cBhvr>
+                                      <p:to>
+                                        <p:strVal val="visible"/>
+                                      </p:to>
+                                    </p:set>
+                                    <p:animEffect transition="in" filter="fade">
+                                      <p:cBhvr>
+                                        <p:cTn id="12" dur="200"/>
+                                        <p:tgtEl>
+                                          <p:spTgt spid="37"/>
+                                        </p:tgtEl>
+                                      </p:cBhvr>
+                                    </p:animEffect>
+                                  </p:childTnLst>
+                                </p:cTn>
+                              </p:par>
+                              <p:par>
+                                <p:cTn id="13" presetID="10" presetClass="entr" presetSubtype="0" fill="hold" grpId="0" nodeType="withEffect">
+                                  <p:stCondLst>
+                                    <p:cond delay="0"/>
+                                  </p:stCondLst>
+                                  <p:childTnLst>
+                                    <p:set>
+                                      <p:cBhvr>
+                                        <p:cTn id="14" dur="1" fill="hold">
+                                          <p:stCondLst>
+                                            <p:cond delay="0"/>
+                                          </p:stCondLst>
+                                        </p:cTn>
+                                        <p:tgtEl>
+                                          <p:spTgt spid="38"/>
+                                        </p:tgtEl>
+                                        <p:attrNameLst>
+                                          <p:attrName>style.visibility</p:attrName>
+                                        </p:attrNameLst>
+                                      </p:cBhvr>
+                                      <p:to>
+                                        <p:strVal val="visible"/>
+                                      </p:to>
+                                    </p:set>
+                                    <p:animEffect transition="in" filter="fade">
+                                      <p:cBhvr>
+                                        <p:cTn id="15" dur="200"/>
+                                        <p:tgtEl>
+                                          <p:spTgt spid="38"/>
+                                        </p:tgtEl>
+                                      </p:cBhvr>
+                                    </p:animEffect>
+                                  </p:childTnLst>
+                                </p:cTn>
+                              </p:par>
+                              <p:par>
+                                <p:cTn id="16" presetID="10" presetClass="entr" presetSubtype="0" fill="hold" grpId="0" nodeType="withEffect">
+                                  <p:stCondLst>
+                                    <p:cond delay="0"/>
+                                  </p:stCondLst>
+                                  <p:childTnLst>
+                                    <p:set>
+                                      <p:cBhvr>
+                                        <p:cTn id="17" dur="1" fill="hold">
+                                          <p:stCondLst>
+                                            <p:cond delay="0"/>
+                                          </p:stCondLst>
+                                        </p:cTn>
+                                        <p:tgtEl>
+                                          <p:spTgt spid="39"/>
+                                        </p:tgtEl>
+                                        <p:attrNameLst>
+                                          <p:attrName>style.visibility</p:attrName>
+                                        </p:attrNameLst>
+                                      </p:cBhvr>
+                                      <p:to>
+                                        <p:strVal val="visible"/>
+                                      </p:to>
+                                    </p:set>
+                                    <p:animEffect transition="in" filter="fade">
+                                      <p:cBhvr>
+                                        <p:cTn id="18" dur="200"/>
+                                        <p:tgtEl>
+                                          <p:spTgt spid="39"/>
+                                        </p:tgtEl>
+                                      </p:cBhvr>
+                                    </p:animEffect>
+                                  </p:childTnLst>
+                                </p:cTn>
+                              </p:par>
+                              <p:par>
+                                <p:cTn id="19" presetID="10" presetClass="entr" presetSubtype="0" fill="hold" grpId="0" nodeType="withEffect">
+                                  <p:stCondLst>
+                                    <p:cond delay="0"/>
+                                  </p:stCondLst>
+                                  <p:childTnLst>
+                                    <p:set>
+                                      <p:cBhvr>
+                                        <p:cTn id="20" dur="1" fill="hold">
+                                          <p:stCondLst>
+                                            <p:cond delay="0"/>
+                                          </p:stCondLst>
+                                        </p:cTn>
+                                        <p:tgtEl>
+                                          <p:spTgt spid="32"/>
+                                        </p:tgtEl>
+                                        <p:attrNameLst>
+                                          <p:attrName>style.visibility</p:attrName>
+                                        </p:attrNameLst>
+                                      </p:cBhvr>
+                                      <p:to>
+                                        <p:strVal val="visible"/>
+                                      </p:to>
+                                    </p:set>
+                                    <p:animEffect transition="in" filter="fade">
+                                      <p:cBhvr>
+                                        <p:cTn id="21" dur="200"/>
+                                        <p:tgtEl>
+                                          <p:spTgt spid="32"/>
+                                        </p:tgtEl>
+                                      </p:cBhvr>
+                                    </p:animEffect>
+                                  </p:childTnLst>
+                                </p:cTn>
+                              </p:par>
+                              <p:par>
+                                <p:cTn id="22" presetID="10" presetClass="entr" presetSubtype="0" fill="hold" grpId="0" nodeType="withEffect">
+                                  <p:stCondLst>
+                                    <p:cond delay="0"/>
+                                  </p:stCondLst>
+                                  <p:childTnLst>
+                                    <p:set>
+                                      <p:cBhvr>
+                                        <p:cTn id="23" dur="1" fill="hold">
+                                          <p:stCondLst>
+                                            <p:cond delay="0"/>
+                                          </p:stCondLst>
+                                        </p:cTn>
+                                        <p:tgtEl>
+                                          <p:spTgt spid="33"/>
+                                        </p:tgtEl>
+                                        <p:attrNameLst>
+                                          <p:attrName>style.visibility</p:attrName>
+                                        </p:attrNameLst>
+                                      </p:cBhvr>
+                                      <p:to>
+                                        <p:strVal val="visible"/>
+                                      </p:to>
+                                    </p:set>
+                                    <p:animEffect transition="in" filter="fade">
+                                      <p:cBhvr>
+                                        <p:cTn id="24" dur="200"/>
+                                        <p:tgtEl>
+                                          <p:spTgt spid="33"/>
+                                        </p:tgtEl>
+                                      </p:cBhvr>
+                                    </p:animEffect>
+                                  </p:childTnLst>
+                                </p:cTn>
+                              </p:par>
+                              <p:par>
+                                <p:cTn id="25" presetID="10" presetClass="entr" presetSubtype="0" fill="hold" grpId="0" nodeType="withEffect">
+                                  <p:stCondLst>
+                                    <p:cond delay="0"/>
+                                  </p:stCondLst>
+                                  <p:childTnLst>
+                                    <p:set>
+                                      <p:cBhvr>
+                                        <p:cTn id="26" dur="1" fill="hold">
+                                          <p:stCondLst>
+                                            <p:cond delay="0"/>
+                                          </p:stCondLst>
+                                        </p:cTn>
+                                        <p:tgtEl>
+                                          <p:spTgt spid="34"/>
+                                        </p:tgtEl>
+                                        <p:attrNameLst>
+                                          <p:attrName>style.visibility</p:attrName>
+                                        </p:attrNameLst>
+                                      </p:cBhvr>
+                                      <p:to>
+                                        <p:strVal val="visible"/>
+                                      </p:to>
+                                    </p:set>
+                                    <p:animEffect transition="in" filter="fade">
+                                      <p:cBhvr>
+                                        <p:cTn id="27" dur="200"/>
+                                        <p:tgtEl>
+                                          <p:spTgt spid="34"/>
+                                        </p:tgtEl>
+                                      </p:cBhvr>
+                                    </p:animEffect>
+                                  </p:childTnLst>
+                                </p:cTn>
+                              </p:par>
+                              <p:par>
+                                <p:cTn id="28" presetID="10" presetClass="entr" presetSubtype="0" fill="hold" grpId="0" nodeType="withEffect">
+                                  <p:stCondLst>
+                                    <p:cond delay="0"/>
+                                  </p:stCondLst>
+                                  <p:childTnLst>
+                                    <p:set>
+                                      <p:cBhvr>
+                                        <p:cTn id="29" dur="1" fill="hold">
+                                          <p:stCondLst>
+                                            <p:cond delay="0"/>
+                                          </p:stCondLst>
+                                        </p:cTn>
+                                        <p:tgtEl>
+                                          <p:spTgt spid="35"/>
+                                        </p:tgtEl>
+                                        <p:attrNameLst>
+                                          <p:attrName>style.visibility</p:attrName>
+                                        </p:attrNameLst>
+                                      </p:cBhvr>
+                                      <p:to>
+                                        <p:strVal val="visible"/>
+                                      </p:to>
+                                    </p:set>
+                                    <p:animEffect transition="in" filter="fade">
+                                      <p:cBhvr>
+                                        <p:cTn id="30" dur="200"/>
+                                        <p:tgtEl>
+                                          <p:spTgt spid="35"/>
+                                        </p:tgtEl>
+                                      </p:cBhvr>
+                                    </p:animEffect>
+                                  </p:childTnLst>
+                                </p:cTn>
+                              </p:par>
+                            </p:childTnLst>
+                          </p:cTn>
+                        </p:par>
+                        <p:par>
+                          <p:cTn id="31" fill="hold">
+                            <p:stCondLst>
+                              <p:cond delay="0"/>
+                            </p:stCondLst>
+                            <p:childTnLst>
+                              <p:par>
+                                <p:cTn id="32" presetID="2" presetClass="entr" presetSubtype="8" fill="hold" nodeType="afterEffect">
+                                  <p:stCondLst>
+                                    <p:cond delay="0"/>
+                                  </p:stCondLst>
+                                  <p:childTnLst>
+                                    <p:set>
+                                      <p:cBhvr>
+                                        <p:cTn id="33" dur="1" fill="hold">
+                                          <p:stCondLst>
+                                            <p:cond delay="0"/>
+                                          </p:stCondLst>
+                                        </p:cTn>
+                                        <p:tgtEl>
+                                          <p:spTgt spid="30"/>
+                                        </p:tgtEl>
+                                        <p:attrNameLst>
+                                          <p:attrName>style.visibility</p:attrName>
+                                        </p:attrNameLst>
+                                      </p:cBhvr>
+                                      <p:to>
+                                        <p:strVal val="visible"/>
+                                      </p:to>
+                                    </p:set>
+                                    <p:anim calcmode="lin" valueType="num">
+                                      <p:cBhvr additive="base">
+                                        <p:cTn id="34" dur="500" fill="hold"/>
+                                        <p:tgtEl>
+                                          <p:spTgt spid="30"/>
+                                        </p:tgtEl>
+                                        <p:attrNameLst>
+                                          <p:attrName>ppt_x</p:attrName>
+                                        </p:attrNameLst>
+                                      </p:cBhvr>
+                                      <p:tavLst>
+                                        <p:tav tm="0">
+                                          <p:val>
+                                            <p:strVal val="0-#ppt_w/2"/>
+                                          </p:val>
+                                        </p:tav>
+                                        <p:tav tm="100000">
+                                          <p:val>
+                                            <p:strVal val="#ppt_x"/>
+                                          </p:val>
+                                        </p:tav>
+                                      </p:tavLst>
+                                    </p:anim>
+                                    <p:anim calcmode="lin" valueType="num">
+                                      <p:cBhvr additive="base">
+                                        <p:cTn id="35" dur="500" fill="hold"/>
+                                        <p:tgtEl>
+                                          <p:spTgt spid="30"/>
+                                        </p:tgtEl>
+                                        <p:attrNameLst>
+                                          <p:attrName>ppt_y</p:attrName>
+                                        </p:attrNameLst>
+                                      </p:cBhvr>
+                                      <p:tavLst>
+                                        <p:tav tm="0">
+                                          <p:val>
+                                            <p:strVal val="#ppt_y"/>
+                                          </p:val>
+                                        </p:tav>
+                                        <p:tav tm="100000">
+                                          <p:val>
+                                            <p:strVal val="#ppt_y"/>
+                                          </p:val>
+                                        </p:tav>
+                                      </p:tavLst>
+                                    </p:anim>
+                                  </p:childTnLst>
+                                </p:cTn>
+                              </p:par>
+                              <p:par>
+                                <p:cTn id="36" presetID="2" presetClass="entr" presetSubtype="2" fill="hold" nodeType="withEffect">
+                                  <p:stCondLst>
+                                    <p:cond delay="0"/>
+                                  </p:stCondLst>
+                                  <p:childTnLst>
+                                    <p:set>
+                                      <p:cBhvr>
+                                        <p:cTn id="37" dur="1" fill="hold">
+                                          <p:stCondLst>
+                                            <p:cond delay="0"/>
+                                          </p:stCondLst>
+                                        </p:cTn>
+                                        <p:tgtEl>
+                                          <p:spTgt spid="31"/>
+                                        </p:tgtEl>
+                                        <p:attrNameLst>
+                                          <p:attrName>style.visibility</p:attrName>
+                                        </p:attrNameLst>
+                                      </p:cBhvr>
+                                      <p:to>
+                                        <p:strVal val="visible"/>
+                                      </p:to>
+                                    </p:set>
+                                    <p:anim calcmode="lin" valueType="num">
+                                      <p:cBhvr additive="base">
+                                        <p:cTn id="38" dur="500" fill="hold"/>
+                                        <p:tgtEl>
+                                          <p:spTgt spid="31"/>
+                                        </p:tgtEl>
+                                        <p:attrNameLst>
+                                          <p:attrName>ppt_x</p:attrName>
+                                        </p:attrNameLst>
+                                      </p:cBhvr>
+                                      <p:tavLst>
+                                        <p:tav tm="0">
+                                          <p:val>
+                                            <p:strVal val="1+#ppt_w/2"/>
+                                          </p:val>
+                                        </p:tav>
+                                        <p:tav tm="100000">
+                                          <p:val>
+                                            <p:strVal val="#ppt_x"/>
+                                          </p:val>
+                                        </p:tav>
+                                      </p:tavLst>
+                                    </p:anim>
+                                    <p:anim calcmode="lin" valueType="num">
+                                      <p:cBhvr additive="base">
+                                        <p:cTn id="39" dur="500" fill="hold"/>
+                                        <p:tgtEl>
+                                          <p:spTgt spid="31"/>
+                                        </p:tgtEl>
+                                        <p:attrNameLst>
+                                          <p:attrName>ppt_y</p:attrName>
+                                        </p:attrNameLst>
+                                      </p:cBhvr>
+                                      <p:tavLst>
+                                        <p:tav tm="0">
+                                          <p:val>
+                                            <p:strVal val="#ppt_y"/>
+                                          </p:val>
+                                        </p:tav>
+                                        <p:tav tm="100000">
+                                          <p:val>
+                                            <p:strVal val="#ppt_y"/>
+                                          </p:val>
+                                        </p:tav>
+                                      </p:tavLst>
+                                    </p:anim>
+                                  </p:childTnLst>
+                                </p:cTn>
+                              </p:par>
+                            </p:childTnLst>
+                          </p:cTn>
+                        </p:par>
+                        <p:par>
+                          <p:cTn id="40" fill="hold">
+                            <p:stCondLst>
+                              <p:cond delay="500"/>
+                            </p:stCondLst>
+                            <p:childTnLst>
+                              <p:par>
+                                <p:cTn id="41" presetID="16" presetClass="entr" presetSubtype="37" fill="hold" grpId="0" nodeType="afterEffect">
+                                  <p:stCondLst>
+                                    <p:cond delay="0"/>
+                                  </p:stCondLst>
+                                  <p:childTnLst>
+                                    <p:set>
+                                      <p:cBhvr>
+                                        <p:cTn id="42" dur="1" fill="hold">
+                                          <p:stCondLst>
+                                            <p:cond delay="0"/>
+                                          </p:stCondLst>
+                                        </p:cTn>
+                                        <p:tgtEl>
+                                          <p:spTgt spid="42"/>
+                                        </p:tgtEl>
+                                        <p:attrNameLst>
+                                          <p:attrName>style.visibility</p:attrName>
+                                        </p:attrNameLst>
+                                      </p:cBhvr>
+                                      <p:to>
+                                        <p:strVal val="visible"/>
+                                      </p:to>
+                                    </p:set>
+                                    <p:animEffect transition="in" filter="barn(outVertical)">
+                                      <p:cBhvr>
+                                        <p:cTn id="43" dur="1000"/>
+                                        <p:tgtEl>
+                                          <p:spTgt spid="42"/>
+                                        </p:tgtEl>
+                                      </p:cBhvr>
+                                    </p:animEffect>
+                                  </p:childTnLst>
+                                </p:cTn>
+                              </p:par>
+                            </p:childTnLst>
+                          </p:cTn>
+                        </p:par>
+                        <p:par>
+                          <p:cTn id="44" fill="hold">
+                            <p:stCondLst>
+                              <p:cond delay="1500"/>
+                            </p:stCondLst>
+                            <p:childTnLst>
+                              <p:par>
+                                <p:cTn id="45" presetID="22" presetClass="entr" presetSubtype="8" fill="hold" nodeType="afterEffect">
+                                  <p:stCondLst>
+                                    <p:cond delay="0"/>
+                                  </p:stCondLst>
+                                  <p:childTnLst>
+                                    <p:set>
+                                      <p:cBhvr>
+                                        <p:cTn id="46" dur="1" fill="hold">
+                                          <p:stCondLst>
+                                            <p:cond delay="0"/>
+                                          </p:stCondLst>
+                                        </p:cTn>
+                                        <p:tgtEl>
+                                          <p:spTgt spid="44"/>
+                                        </p:tgtEl>
+                                        <p:attrNameLst>
+                                          <p:attrName>style.visibility</p:attrName>
+                                        </p:attrNameLst>
+                                      </p:cBhvr>
+                                      <p:to>
+                                        <p:strVal val="visible"/>
+                                      </p:to>
+                                    </p:set>
+                                    <p:animEffect transition="in" filter="wipe(left)">
+                                      <p:cBhvr>
+                                        <p:cTn id="47" dur="500"/>
+                                        <p:tgtEl>
+                                          <p:spTgt spid="44"/>
+                                        </p:tgtEl>
+                                      </p:cBhvr>
+                                    </p:animEffect>
+                                  </p:childTnLst>
+                                </p:cTn>
+                              </p:par>
+                            </p:childTnLst>
+                          </p:cTn>
+                        </p:par>
+                        <p:par>
+                          <p:cTn id="48" fill="hold">
+                            <p:stCondLst>
+                              <p:cond delay="2000"/>
+                            </p:stCondLst>
+                            <p:childTnLst>
+                              <p:par>
+                                <p:cTn id="49" presetID="12" presetClass="entr" presetSubtype="4" fill="hold" grpId="0" nodeType="afterEffect">
+                                  <p:stCondLst>
+                                    <p:cond delay="0"/>
+                                  </p:stCondLst>
+                                  <p:childTnLst>
+                                    <p:set>
+                                      <p:cBhvr>
+                                        <p:cTn id="50" dur="1" fill="hold">
+                                          <p:stCondLst>
+                                            <p:cond delay="0"/>
+                                          </p:stCondLst>
+                                        </p:cTn>
+                                        <p:tgtEl>
+                                          <p:spTgt spid="41"/>
+                                        </p:tgtEl>
+                                        <p:attrNameLst>
+                                          <p:attrName>style.visibility</p:attrName>
+                                        </p:attrNameLst>
+                                      </p:cBhvr>
+                                      <p:to>
+                                        <p:strVal val="visible"/>
+                                      </p:to>
+                                    </p:set>
+                                    <p:anim calcmode="lin" valueType="num">
+                                      <p:cBhvr additive="base">
+                                        <p:cTn id="51" dur="500"/>
+                                        <p:tgtEl>
+                                          <p:spTgt spid="41"/>
+                                        </p:tgtEl>
+                                        <p:attrNameLst>
+                                          <p:attrName>ppt_y</p:attrName>
+                                        </p:attrNameLst>
+                                      </p:cBhvr>
+                                      <p:tavLst>
+                                        <p:tav tm="0">
+                                          <p:val>
+                                            <p:strVal val="#ppt_y+#ppt_h*1.125000"/>
+                                          </p:val>
+                                        </p:tav>
+                                        <p:tav tm="100000">
+                                          <p:val>
+                                            <p:strVal val="#ppt_y"/>
+                                          </p:val>
+                                        </p:tav>
+                                      </p:tavLst>
+                                    </p:anim>
+                                    <p:animEffect transition="in" filter="wipe(up)">
+                                      <p:cBhvr>
+                                        <p:cTn id="52" dur="500"/>
+                                        <p:tgtEl>
+                                          <p:spTgt spid="41"/>
+                                        </p:tgtEl>
+                                      </p:cBhvr>
+                                    </p:animEffect>
+                                  </p:childTnLst>
+                                </p:cTn>
+                              </p:par>
+                            </p:childTnLst>
+                          </p:cTn>
+                        </p:par>
+                        <p:par>
+                          <p:cTn id="53" fill="hold">
+                            <p:stCondLst>
+                              <p:cond delay="2500"/>
+                            </p:stCondLst>
+                            <p:childTnLst>
+                              <p:par>
+                                <p:cTn id="54" presetID="12" presetClass="entr" presetSubtype="4" fill="hold" grpId="0" nodeType="afterEffect">
+                                  <p:stCondLst>
+                                    <p:cond delay="0"/>
+                                  </p:stCondLst>
+                                  <p:childTnLst>
+                                    <p:set>
+                                      <p:cBhvr>
+                                        <p:cTn id="55" dur="1" fill="hold">
+                                          <p:stCondLst>
+                                            <p:cond delay="0"/>
+                                          </p:stCondLst>
+                                        </p:cTn>
+                                        <p:tgtEl>
+                                          <p:spTgt spid="43"/>
+                                        </p:tgtEl>
+                                        <p:attrNameLst>
+                                          <p:attrName>style.visibility</p:attrName>
+                                        </p:attrNameLst>
+                                      </p:cBhvr>
+                                      <p:to>
+                                        <p:strVal val="visible"/>
+                                      </p:to>
+                                    </p:set>
+                                    <p:anim calcmode="lin" valueType="num">
+                                      <p:cBhvr additive="base">
+                                        <p:cTn id="56" dur="500"/>
+                                        <p:tgtEl>
+                                          <p:spTgt spid="43"/>
+                                        </p:tgtEl>
+                                        <p:attrNameLst>
+                                          <p:attrName>ppt_y</p:attrName>
+                                        </p:attrNameLst>
+                                      </p:cBhvr>
+                                      <p:tavLst>
+                                        <p:tav tm="0">
+                                          <p:val>
+                                            <p:strVal val="#ppt_y+#ppt_h*1.125000"/>
+                                          </p:val>
+                                        </p:tav>
+                                        <p:tav tm="100000">
+                                          <p:val>
+                                            <p:strVal val="#ppt_y"/>
+                                          </p:val>
+                                        </p:tav>
+                                      </p:tavLst>
+                                    </p:anim>
+                                    <p:animEffect transition="in" filter="wipe(up)">
+                                      <p:cBhvr>
+                                        <p:cTn id="57" dur="500"/>
+                                        <p:tgtEl>
+                                          <p:spTgt spid="43"/>
+                                        </p:tgtEl>
+                                      </p:cBhvr>
+                                    </p:animEffect>
+                                  </p:childTnLst>
+                                </p:cTn>
+                              </p:par>
+                            </p:childTnLst>
+                          </p:cTn>
+                        </p:par>
+                      </p:childTnLst>
+                    </p:cTn>
+                  </p:par>
+                </p:childTnLst>
+              </p:cTn>
+              <p:prevCondLst>
+                <p:cond evt="onPrev" delay="0">
+                  <p:tgtEl>
+                    <p:sldTgt/>
+                  </p:tgtEl>
+                </p:cond>
+              </p:prevCondLst>
+              <p:nextCondLst>
+                <p:cond evt="onNext" delay="0">
+                  <p:tgtEl>
+                    <p:sldTgt/>
+                  </p:tgtEl>
+                </p:cond>
+              </p:nextCondLst>
+            </p:seq>
+            <p:audio>
+              <p:cMediaNode vol="80000" numSld="999" showWhenStopped="0">
+                <p:cTn id="58" repeatCount="indefinite" fill="hold" display="0">
+                  <p:stCondLst>
+                    <p:cond delay="indefinite"/>
+                  </p:stCondLst>
+                  <p:endCondLst>
+                    <p:cond evt="onStopAudio" delay="0">
+                      <p:tgtEl>
+                        <p:sldTgt/>
+                      </p:tgtEl>
+                    </p:cond>
+                  </p:endCondLst>
+                </p:cTn>
+                <p:tgtEl>
+                  <p:spTgt spid="46"/>
+                </p:tgtEl>
+              </p:cMediaNode>
+            </p:audio>
+          </p:childTnLst>
+        </p:cTn>
+      </p:par>
+    </p:tnLst>
+    <p:bldLst>
+      <p:bldP spid="32" grpId="0" bldLvl="0" animBg="1"/>
+      <p:bldP spid="33" grpId="0" bldLvl="0" animBg="1"/>
+      <p:bldP spid="34" grpId="0" bldLvl="0" animBg="1"/>
+      <p:bldP spid="35" grpId="0" bldLvl="0" animBg="1"/>
+      <p:bldP spid="36" grpId="0" bldLvl="0" animBg="1"/>
+      <p:bldP spid="37" grpId="0" bldLvl="0" animBg="1"/>
+      <p:bldP spid="38" grpId="0" bldLvl="0" animBg="1"/>
+      <p:bldP spid="39" grpId="0" bldLvl="0" animBg="1"/>
+      <p:bldP spid="41" grpId="0"/>
+      <p:bldP spid="42" grpId="0" bldLvl="0" animBg="1"/>
+      <p:bldP spid="43" grpId="0"/>
     </p:bldLst>
   </p:timing>
 </p:sld>
@@ -11857,1638 +12864,6 @@
 </p:sld>
 </file>
 
-<file path=ppt/slides/slide20.xml><?xml version="1.0" encoding="utf-8"?>
-<p:sld xmlns:a="http://schemas.openxmlformats.org/drawingml/2006/main" xmlns:r="http://schemas.openxmlformats.org/officeDocument/2006/relationships" xmlns:p="http://schemas.openxmlformats.org/presentationml/2006/main">
-  <p:cSld>
-    <p:spTree>
-      <p:nvGrpSpPr>
-        <p:cNvPr id="1" name=""/>
-        <p:cNvGrpSpPr/>
-        <p:nvPr/>
-      </p:nvGrpSpPr>
-      <p:grpSpPr>
-        <a:xfrm>
-          <a:off x="0" y="0"/>
-          <a:ext cx="0" cy="0"/>
-          <a:chOff x="0" y="0"/>
-          <a:chExt cx="0" cy="0"/>
-        </a:xfrm>
-      </p:grpSpPr>
-      <p:cxnSp>
-        <p:nvCxnSpPr>
-          <p:cNvPr id="30" name="直接连接符 29"/>
-          <p:cNvCxnSpPr/>
-          <p:nvPr/>
-        </p:nvCxnSpPr>
-        <p:spPr>
-          <a:xfrm>
-            <a:off x="0" y="740873"/>
-            <a:ext cx="5039227" cy="0"/>
-          </a:xfrm>
-          <a:prstGeom prst="line">
-            <a:avLst/>
-          </a:prstGeom>
-          <a:ln w="12700">
-            <a:solidFill>
-              <a:srgbClr val="A9A9A9"/>
-            </a:solidFill>
-          </a:ln>
-        </p:spPr>
-        <p:style>
-          <a:lnRef idx="1">
-            <a:schemeClr val="accent1"/>
-          </a:lnRef>
-          <a:fillRef idx="0">
-            <a:schemeClr val="accent1"/>
-          </a:fillRef>
-          <a:effectRef idx="0">
-            <a:schemeClr val="accent1"/>
-          </a:effectRef>
-          <a:fontRef idx="minor">
-            <a:schemeClr val="tx1"/>
-          </a:fontRef>
-        </p:style>
-      </p:cxnSp>
-      <p:cxnSp>
-        <p:nvCxnSpPr>
-          <p:cNvPr id="31" name="直接连接符 30"/>
-          <p:cNvCxnSpPr/>
-          <p:nvPr/>
-        </p:nvCxnSpPr>
-        <p:spPr>
-          <a:xfrm>
-            <a:off x="7151186" y="740873"/>
-            <a:ext cx="5039227" cy="0"/>
-          </a:xfrm>
-          <a:prstGeom prst="line">
-            <a:avLst/>
-          </a:prstGeom>
-          <a:ln w="12700">
-            <a:solidFill>
-              <a:srgbClr val="A9A9A9"/>
-            </a:solidFill>
-          </a:ln>
-        </p:spPr>
-        <p:style>
-          <a:lnRef idx="1">
-            <a:schemeClr val="accent1"/>
-          </a:lnRef>
-          <a:fillRef idx="0">
-            <a:schemeClr val="accent1"/>
-          </a:fillRef>
-          <a:effectRef idx="0">
-            <a:schemeClr val="accent1"/>
-          </a:effectRef>
-          <a:fontRef idx="minor">
-            <a:schemeClr val="tx1"/>
-          </a:fontRef>
-        </p:style>
-      </p:cxnSp>
-      <p:sp>
-        <p:nvSpPr>
-          <p:cNvPr id="32" name="矩形 31"/>
-          <p:cNvSpPr/>
-          <p:nvPr/>
-        </p:nvSpPr>
-        <p:spPr>
-          <a:xfrm>
-            <a:off x="1" y="6406814"/>
-            <a:ext cx="3041773" cy="452774"/>
-          </a:xfrm>
-          <a:prstGeom prst="rect">
-            <a:avLst/>
-          </a:prstGeom>
-          <a:solidFill>
-            <a:srgbClr val="EF7768"/>
-          </a:solidFill>
-          <a:ln>
-            <a:noFill/>
-          </a:ln>
-        </p:spPr>
-        <p:style>
-          <a:lnRef idx="2">
-            <a:schemeClr val="accent1">
-              <a:shade val="50000"/>
-            </a:schemeClr>
-          </a:lnRef>
-          <a:fillRef idx="1">
-            <a:schemeClr val="accent1"/>
-          </a:fillRef>
-          <a:effectRef idx="0">
-            <a:schemeClr val="accent1"/>
-          </a:effectRef>
-          <a:fontRef idx="minor">
-            <a:schemeClr val="lt1"/>
-          </a:fontRef>
-        </p:style>
-        <p:txBody>
-          <a:bodyPr lIns="121917" tIns="60958" rIns="121917" bIns="60958" rtlCol="0" anchor="ctr"/>
-          <a:lstStyle/>
-          <a:p>
-            <a:pPr algn="ctr"/>
-            <a:endParaRPr lang="zh-CN" altLang="en-US"/>
-          </a:p>
-        </p:txBody>
-      </p:sp>
-      <p:sp>
-        <p:nvSpPr>
-          <p:cNvPr id="33" name="矩形 32"/>
-          <p:cNvSpPr/>
-          <p:nvPr/>
-        </p:nvSpPr>
-        <p:spPr>
-          <a:xfrm>
-            <a:off x="3041775" y="6406814"/>
-            <a:ext cx="3063750" cy="452774"/>
-          </a:xfrm>
-          <a:prstGeom prst="rect">
-            <a:avLst/>
-          </a:prstGeom>
-          <a:solidFill>
-            <a:srgbClr val="C7C7C7"/>
-          </a:solidFill>
-          <a:ln>
-            <a:noFill/>
-          </a:ln>
-        </p:spPr>
-        <p:style>
-          <a:lnRef idx="2">
-            <a:schemeClr val="accent1">
-              <a:shade val="50000"/>
-            </a:schemeClr>
-          </a:lnRef>
-          <a:fillRef idx="1">
-            <a:schemeClr val="accent1"/>
-          </a:fillRef>
-          <a:effectRef idx="0">
-            <a:schemeClr val="accent1"/>
-          </a:effectRef>
-          <a:fontRef idx="minor">
-            <a:schemeClr val="lt1"/>
-          </a:fontRef>
-        </p:style>
-        <p:txBody>
-          <a:bodyPr lIns="121917" tIns="60958" rIns="121917" bIns="60958" rtlCol="0" anchor="ctr"/>
-          <a:lstStyle/>
-          <a:p>
-            <a:pPr algn="ctr"/>
-            <a:endParaRPr lang="zh-CN" altLang="en-US"/>
-          </a:p>
-        </p:txBody>
-      </p:sp>
-      <p:sp>
-        <p:nvSpPr>
-          <p:cNvPr id="34" name="矩形 33"/>
-          <p:cNvSpPr/>
-          <p:nvPr/>
-        </p:nvSpPr>
-        <p:spPr>
-          <a:xfrm>
-            <a:off x="6095207" y="6406814"/>
-            <a:ext cx="3047603" cy="452774"/>
-          </a:xfrm>
-          <a:prstGeom prst="rect">
-            <a:avLst/>
-          </a:prstGeom>
-          <a:solidFill>
-            <a:srgbClr val="38B1BF"/>
-          </a:solidFill>
-          <a:ln>
-            <a:noFill/>
-          </a:ln>
-        </p:spPr>
-        <p:style>
-          <a:lnRef idx="2">
-            <a:schemeClr val="accent1">
-              <a:shade val="50000"/>
-            </a:schemeClr>
-          </a:lnRef>
-          <a:fillRef idx="1">
-            <a:schemeClr val="accent1"/>
-          </a:fillRef>
-          <a:effectRef idx="0">
-            <a:schemeClr val="accent1"/>
-          </a:effectRef>
-          <a:fontRef idx="minor">
-            <a:schemeClr val="lt1"/>
-          </a:fontRef>
-        </p:style>
-        <p:txBody>
-          <a:bodyPr lIns="121917" tIns="60958" rIns="121917" bIns="60958" rtlCol="0" anchor="ctr"/>
-          <a:lstStyle/>
-          <a:p>
-            <a:pPr algn="ctr"/>
-            <a:endParaRPr lang="zh-CN" altLang="en-US"/>
-          </a:p>
-        </p:txBody>
-      </p:sp>
-      <p:sp>
-        <p:nvSpPr>
-          <p:cNvPr id="35" name="矩形 34"/>
-          <p:cNvSpPr/>
-          <p:nvPr/>
-        </p:nvSpPr>
-        <p:spPr>
-          <a:xfrm>
-            <a:off x="9142810" y="6406814"/>
-            <a:ext cx="3047603" cy="452774"/>
-          </a:xfrm>
-          <a:prstGeom prst="rect">
-            <a:avLst/>
-          </a:prstGeom>
-          <a:solidFill>
-            <a:srgbClr val="FF9933"/>
-          </a:solidFill>
-          <a:ln>
-            <a:noFill/>
-          </a:ln>
-        </p:spPr>
-        <p:style>
-          <a:lnRef idx="2">
-            <a:schemeClr val="accent1">
-              <a:shade val="50000"/>
-            </a:schemeClr>
-          </a:lnRef>
-          <a:fillRef idx="1">
-            <a:schemeClr val="accent1"/>
-          </a:fillRef>
-          <a:effectRef idx="0">
-            <a:schemeClr val="accent1"/>
-          </a:effectRef>
-          <a:fontRef idx="minor">
-            <a:schemeClr val="lt1"/>
-          </a:fontRef>
-        </p:style>
-        <p:txBody>
-          <a:bodyPr lIns="121917" tIns="60958" rIns="121917" bIns="60958" rtlCol="0" anchor="ctr"/>
-          <a:lstStyle/>
-          <a:p>
-            <a:pPr algn="ctr"/>
-            <a:endParaRPr lang="zh-CN" altLang="en-US"/>
-          </a:p>
-        </p:txBody>
-      </p:sp>
-      <p:sp>
-        <p:nvSpPr>
-          <p:cNvPr id="36" name="矩形 35"/>
-          <p:cNvSpPr/>
-          <p:nvPr/>
-        </p:nvSpPr>
-        <p:spPr>
-          <a:xfrm>
-            <a:off x="0" y="-27390"/>
-            <a:ext cx="3047603" cy="123423"/>
-          </a:xfrm>
-          <a:prstGeom prst="rect">
-            <a:avLst/>
-          </a:prstGeom>
-          <a:solidFill>
-            <a:srgbClr val="EF7768"/>
-          </a:solidFill>
-          <a:ln>
-            <a:noFill/>
-          </a:ln>
-        </p:spPr>
-        <p:style>
-          <a:lnRef idx="2">
-            <a:schemeClr val="accent1">
-              <a:shade val="50000"/>
-            </a:schemeClr>
-          </a:lnRef>
-          <a:fillRef idx="1">
-            <a:schemeClr val="accent1"/>
-          </a:fillRef>
-          <a:effectRef idx="0">
-            <a:schemeClr val="accent1"/>
-          </a:effectRef>
-          <a:fontRef idx="minor">
-            <a:schemeClr val="lt1"/>
-          </a:fontRef>
-        </p:style>
-        <p:txBody>
-          <a:bodyPr lIns="121917" tIns="60958" rIns="121917" bIns="60958" rtlCol="0" anchor="ctr"/>
-          <a:lstStyle/>
-          <a:p>
-            <a:pPr algn="ctr"/>
-            <a:endParaRPr lang="zh-CN" altLang="en-US"/>
-          </a:p>
-        </p:txBody>
-      </p:sp>
-      <p:sp>
-        <p:nvSpPr>
-          <p:cNvPr id="37" name="矩形 36"/>
-          <p:cNvSpPr/>
-          <p:nvPr/>
-        </p:nvSpPr>
-        <p:spPr>
-          <a:xfrm>
-            <a:off x="3047603" y="-27390"/>
-            <a:ext cx="3047603" cy="123423"/>
-          </a:xfrm>
-          <a:prstGeom prst="rect">
-            <a:avLst/>
-          </a:prstGeom>
-          <a:solidFill>
-            <a:srgbClr val="C7C7C7"/>
-          </a:solidFill>
-          <a:ln>
-            <a:noFill/>
-          </a:ln>
-        </p:spPr>
-        <p:style>
-          <a:lnRef idx="2">
-            <a:schemeClr val="accent1">
-              <a:shade val="50000"/>
-            </a:schemeClr>
-          </a:lnRef>
-          <a:fillRef idx="1">
-            <a:schemeClr val="accent1"/>
-          </a:fillRef>
-          <a:effectRef idx="0">
-            <a:schemeClr val="accent1"/>
-          </a:effectRef>
-          <a:fontRef idx="minor">
-            <a:schemeClr val="lt1"/>
-          </a:fontRef>
-        </p:style>
-        <p:txBody>
-          <a:bodyPr lIns="121917" tIns="60958" rIns="121917" bIns="60958" rtlCol="0" anchor="ctr"/>
-          <a:lstStyle/>
-          <a:p>
-            <a:pPr algn="ctr"/>
-            <a:endParaRPr lang="zh-CN" altLang="en-US"/>
-          </a:p>
-        </p:txBody>
-      </p:sp>
-      <p:sp>
-        <p:nvSpPr>
-          <p:cNvPr id="38" name="矩形 37"/>
-          <p:cNvSpPr/>
-          <p:nvPr/>
-        </p:nvSpPr>
-        <p:spPr>
-          <a:xfrm>
-            <a:off x="6095207" y="-27390"/>
-            <a:ext cx="3047603" cy="123423"/>
-          </a:xfrm>
-          <a:prstGeom prst="rect">
-            <a:avLst/>
-          </a:prstGeom>
-          <a:solidFill>
-            <a:srgbClr val="38B1BF"/>
-          </a:solidFill>
-          <a:ln>
-            <a:noFill/>
-          </a:ln>
-        </p:spPr>
-        <p:style>
-          <a:lnRef idx="2">
-            <a:schemeClr val="accent1">
-              <a:shade val="50000"/>
-            </a:schemeClr>
-          </a:lnRef>
-          <a:fillRef idx="1">
-            <a:schemeClr val="accent1"/>
-          </a:fillRef>
-          <a:effectRef idx="0">
-            <a:schemeClr val="accent1"/>
-          </a:effectRef>
-          <a:fontRef idx="minor">
-            <a:schemeClr val="lt1"/>
-          </a:fontRef>
-        </p:style>
-        <p:txBody>
-          <a:bodyPr lIns="121917" tIns="60958" rIns="121917" bIns="60958" rtlCol="0" anchor="ctr"/>
-          <a:lstStyle/>
-          <a:p>
-            <a:pPr algn="ctr"/>
-            <a:endParaRPr lang="zh-CN" altLang="en-US"/>
-          </a:p>
-        </p:txBody>
-      </p:sp>
-      <p:sp>
-        <p:nvSpPr>
-          <p:cNvPr id="39" name="矩形 38"/>
-          <p:cNvSpPr/>
-          <p:nvPr/>
-        </p:nvSpPr>
-        <p:spPr>
-          <a:xfrm>
-            <a:off x="9142810" y="-27390"/>
-            <a:ext cx="3047603" cy="123423"/>
-          </a:xfrm>
-          <a:prstGeom prst="rect">
-            <a:avLst/>
-          </a:prstGeom>
-          <a:solidFill>
-            <a:srgbClr val="FF9933"/>
-          </a:solidFill>
-          <a:ln>
-            <a:noFill/>
-          </a:ln>
-        </p:spPr>
-        <p:style>
-          <a:lnRef idx="2">
-            <a:schemeClr val="accent1">
-              <a:shade val="50000"/>
-            </a:schemeClr>
-          </a:lnRef>
-          <a:fillRef idx="1">
-            <a:schemeClr val="accent1"/>
-          </a:fillRef>
-          <a:effectRef idx="0">
-            <a:schemeClr val="accent1"/>
-          </a:effectRef>
-          <a:fontRef idx="minor">
-            <a:schemeClr val="lt1"/>
-          </a:fontRef>
-        </p:style>
-        <p:txBody>
-          <a:bodyPr lIns="121917" tIns="60958" rIns="121917" bIns="60958" rtlCol="0" anchor="ctr"/>
-          <a:lstStyle/>
-          <a:p>
-            <a:pPr algn="ctr"/>
-            <a:endParaRPr lang="zh-CN" altLang="en-US"/>
-          </a:p>
-        </p:txBody>
-      </p:sp>
-      <p:sp>
-        <p:nvSpPr>
-          <p:cNvPr id="41" name="文本框 5"/>
-          <p:cNvSpPr txBox="1"/>
-          <p:nvPr/>
-        </p:nvSpPr>
-        <p:spPr>
-          <a:xfrm>
-            <a:off x="3663094" y="4778722"/>
-            <a:ext cx="2552267" cy="384705"/>
-          </a:xfrm>
-          <a:prstGeom prst="rect">
-            <a:avLst/>
-          </a:prstGeom>
-          <a:noFill/>
-        </p:spPr>
-        <p:txBody>
-          <a:bodyPr wrap="none" lIns="91423" tIns="45712" rIns="91423" bIns="45712" rtlCol="0">
-            <a:spAutoFit/>
-          </a:bodyPr>
-          <a:lstStyle/>
-          <a:p>
-            <a:pPr algn="ctr"/>
-            <a:r>
-              <a:rPr lang="en-US" altLang="zh-CN" sz="1900" dirty="0">
-                <a:solidFill>
-                  <a:schemeClr val="tx1">
-                    <a:lumMod val="85000"/>
-                    <a:lumOff val="15000"/>
-                  </a:schemeClr>
-                </a:solidFill>
-                <a:latin typeface="微软雅黑" panose="020B0503020204020204" pitchFamily="34" charset="-122"/>
-                <a:ea typeface="微软雅黑" panose="020B0503020204020204" pitchFamily="34" charset="-122"/>
-              </a:rPr>
-              <a:t>PRD</a:t>
-            </a:r>
-            <a:r>
-              <a:rPr lang="en-US" sz="1900" dirty="0" smtClean="0">
-                <a:solidFill>
-                  <a:schemeClr val="tx1">
-                    <a:lumMod val="85000"/>
-                    <a:lumOff val="15000"/>
-                  </a:schemeClr>
-                </a:solidFill>
-                <a:latin typeface="微软雅黑" panose="020B0503020204020204" pitchFamily="34" charset="-122"/>
-                <a:ea typeface="微软雅黑" panose="020B0503020204020204" pitchFamily="34" charset="-122"/>
-              </a:rPr>
-              <a:t>2018</a:t>
-            </a:r>
-            <a:r>
-              <a:rPr lang="zh-CN" altLang="en-US" sz="1900" dirty="0">
-                <a:solidFill>
-                  <a:schemeClr val="tx1">
-                    <a:lumMod val="85000"/>
-                    <a:lumOff val="15000"/>
-                  </a:schemeClr>
-                </a:solidFill>
-                <a:latin typeface="微软雅黑" panose="020B0503020204020204" pitchFamily="34" charset="-122"/>
-                <a:ea typeface="微软雅黑" panose="020B0503020204020204" pitchFamily="34" charset="-122"/>
-              </a:rPr>
-              <a:t>秋</a:t>
-            </a:r>
-            <a:r>
-              <a:rPr lang="en-US" altLang="zh-CN" sz="1900" dirty="0" smtClean="0">
-                <a:solidFill>
-                  <a:schemeClr val="tx1">
-                    <a:lumMod val="85000"/>
-                    <a:lumOff val="15000"/>
-                  </a:schemeClr>
-                </a:solidFill>
-                <a:latin typeface="微软雅黑" panose="020B0503020204020204" pitchFamily="34" charset="-122"/>
-                <a:ea typeface="微软雅黑" panose="020B0503020204020204" pitchFamily="34" charset="-122"/>
-              </a:rPr>
-              <a:t>-</a:t>
-            </a:r>
-            <a:r>
-              <a:rPr lang="en-US" sz="1900" dirty="0" smtClean="0">
-                <a:solidFill>
-                  <a:schemeClr val="tx1">
-                    <a:lumMod val="85000"/>
-                    <a:lumOff val="15000"/>
-                  </a:schemeClr>
-                </a:solidFill>
-                <a:latin typeface="微软雅黑" panose="020B0503020204020204" pitchFamily="34" charset="-122"/>
-                <a:ea typeface="微软雅黑" panose="020B0503020204020204" pitchFamily="34" charset="-122"/>
-              </a:rPr>
-              <a:t>G11</a:t>
-            </a:r>
-            <a:r>
-              <a:rPr lang="zh-CN" altLang="en-US" sz="1900" dirty="0" smtClean="0">
-                <a:solidFill>
-                  <a:schemeClr val="tx1">
-                    <a:lumMod val="85000"/>
-                    <a:lumOff val="15000"/>
-                  </a:schemeClr>
-                </a:solidFill>
-                <a:latin typeface="微软雅黑" panose="020B0503020204020204" pitchFamily="34" charset="-122"/>
-                <a:ea typeface="微软雅黑" panose="020B0503020204020204" pitchFamily="34" charset="-122"/>
-              </a:rPr>
-              <a:t>小组</a:t>
-            </a:r>
-            <a:endParaRPr lang="zh-CN" altLang="en-US" sz="1900" dirty="0">
-              <a:solidFill>
-                <a:schemeClr val="tx1">
-                  <a:lumMod val="85000"/>
-                  <a:lumOff val="15000"/>
-                </a:schemeClr>
-              </a:solidFill>
-              <a:latin typeface="微软雅黑" panose="020B0503020204020204" pitchFamily="34" charset="-122"/>
-              <a:ea typeface="微软雅黑" panose="020B0503020204020204" pitchFamily="34" charset="-122"/>
-            </a:endParaRPr>
-          </a:p>
-        </p:txBody>
-      </p:sp>
-      <p:sp>
-        <p:nvSpPr>
-          <p:cNvPr id="42" name="矩形 41"/>
-          <p:cNvSpPr/>
-          <p:nvPr/>
-        </p:nvSpPr>
-        <p:spPr>
-          <a:xfrm>
-            <a:off x="4110906" y="3692461"/>
-            <a:ext cx="3975100" cy="643890"/>
-          </a:xfrm>
-          <a:prstGeom prst="rect">
-            <a:avLst/>
-          </a:prstGeom>
-          <a:noFill/>
-          <a:ln>
-            <a:noFill/>
-          </a:ln>
-          <a:effectLst>
-            <a:glow rad="1905000">
-              <a:srgbClr val="F14124">
-                <a:alpha val="40000"/>
-              </a:srgbClr>
-            </a:glow>
-            <a:softEdge rad="1270000"/>
-          </a:effectLst>
-        </p:spPr>
-        <p:txBody>
-          <a:bodyPr wrap="none" lIns="91423" tIns="45712" rIns="91423" bIns="45712">
-            <a:spAutoFit/>
-          </a:bodyPr>
-          <a:lstStyle/>
-          <a:p>
-            <a:pPr algn="ctr"/>
-            <a:r>
-              <a:rPr lang="zh-CN" altLang="en-US" sz="3600" b="1" dirty="0">
-                <a:solidFill>
-                  <a:schemeClr val="tx1">
-                    <a:lumMod val="75000"/>
-                    <a:lumOff val="25000"/>
-                  </a:schemeClr>
-                </a:solidFill>
-                <a:latin typeface="微软雅黑" panose="020B0503020204020204" pitchFamily="34" charset="-122"/>
-                <a:ea typeface="微软雅黑" panose="020B0503020204020204" pitchFamily="34" charset="-122"/>
-              </a:rPr>
-              <a:t>汇报结束 感谢观看</a:t>
-            </a:r>
-            <a:endParaRPr lang="zh-CN" altLang="en-US" sz="3600" b="1" dirty="0">
-              <a:solidFill>
-                <a:schemeClr val="tx1">
-                  <a:lumMod val="75000"/>
-                  <a:lumOff val="25000"/>
-                </a:schemeClr>
-              </a:solidFill>
-              <a:latin typeface="微软雅黑" panose="020B0503020204020204" pitchFamily="34" charset="-122"/>
-              <a:ea typeface="微软雅黑" panose="020B0503020204020204" pitchFamily="34" charset="-122"/>
-            </a:endParaRPr>
-          </a:p>
-        </p:txBody>
-      </p:sp>
-      <p:sp>
-        <p:nvSpPr>
-          <p:cNvPr id="43" name="文本框 5"/>
-          <p:cNvSpPr txBox="1"/>
-          <p:nvPr/>
-        </p:nvSpPr>
-        <p:spPr>
-          <a:xfrm>
-            <a:off x="6349371" y="4778722"/>
-            <a:ext cx="1914272" cy="384705"/>
-          </a:xfrm>
-          <a:prstGeom prst="rect">
-            <a:avLst/>
-          </a:prstGeom>
-          <a:noFill/>
-        </p:spPr>
-        <p:txBody>
-          <a:bodyPr wrap="none" lIns="91423" tIns="45712" rIns="91423" bIns="45712" rtlCol="0">
-            <a:spAutoFit/>
-          </a:bodyPr>
-          <a:lstStyle/>
-          <a:p>
-            <a:pPr algn="ctr"/>
-            <a:r>
-              <a:rPr lang="en-US" altLang="zh-CN" sz="1900" dirty="0" smtClean="0">
-                <a:solidFill>
-                  <a:schemeClr val="tx1">
-                    <a:lumMod val="85000"/>
-                    <a:lumOff val="15000"/>
-                  </a:schemeClr>
-                </a:solidFill>
-                <a:latin typeface="微软雅黑" panose="020B0503020204020204" pitchFamily="34" charset="-122"/>
-                <a:ea typeface="微软雅黑" panose="020B0503020204020204" pitchFamily="34" charset="-122"/>
-              </a:rPr>
-              <a:t>2018</a:t>
-            </a:r>
-            <a:r>
-              <a:rPr lang="zh-CN" altLang="en-US" sz="1900" dirty="0" smtClean="0">
-                <a:solidFill>
-                  <a:schemeClr val="tx1">
-                    <a:lumMod val="85000"/>
-                    <a:lumOff val="15000"/>
-                  </a:schemeClr>
-                </a:solidFill>
-                <a:latin typeface="微软雅黑" panose="020B0503020204020204" pitchFamily="34" charset="-122"/>
-                <a:ea typeface="微软雅黑" panose="020B0503020204020204" pitchFamily="34" charset="-122"/>
-              </a:rPr>
-              <a:t>年</a:t>
-            </a:r>
-            <a:r>
-              <a:rPr lang="en-US" altLang="zh-CN" sz="1900" dirty="0">
-                <a:solidFill>
-                  <a:schemeClr val="tx1">
-                    <a:lumMod val="85000"/>
-                    <a:lumOff val="15000"/>
-                  </a:schemeClr>
-                </a:solidFill>
-                <a:latin typeface="微软雅黑" panose="020B0503020204020204" pitchFamily="34" charset="-122"/>
-                <a:ea typeface="微软雅黑" panose="020B0503020204020204" pitchFamily="34" charset="-122"/>
-              </a:rPr>
-              <a:t>9</a:t>
-            </a:r>
-            <a:r>
-              <a:rPr lang="zh-CN" altLang="en-US" sz="1900" dirty="0" smtClean="0">
-                <a:solidFill>
-                  <a:schemeClr val="tx1">
-                    <a:lumMod val="85000"/>
-                    <a:lumOff val="15000"/>
-                  </a:schemeClr>
-                </a:solidFill>
-                <a:latin typeface="微软雅黑" panose="020B0503020204020204" pitchFamily="34" charset="-122"/>
-                <a:ea typeface="微软雅黑" panose="020B0503020204020204" pitchFamily="34" charset="-122"/>
-              </a:rPr>
-              <a:t>月</a:t>
-            </a:r>
-            <a:r>
-              <a:rPr lang="en-US" altLang="zh-CN" sz="1900" dirty="0" smtClean="0">
-                <a:solidFill>
-                  <a:schemeClr val="tx1">
-                    <a:lumMod val="85000"/>
-                    <a:lumOff val="15000"/>
-                  </a:schemeClr>
-                </a:solidFill>
-                <a:latin typeface="微软雅黑" panose="020B0503020204020204" pitchFamily="34" charset="-122"/>
-                <a:ea typeface="微软雅黑" panose="020B0503020204020204" pitchFamily="34" charset="-122"/>
-              </a:rPr>
-              <a:t>30</a:t>
-            </a:r>
-            <a:r>
-              <a:rPr lang="zh-CN" altLang="en-US" sz="1900" dirty="0" smtClean="0">
-                <a:solidFill>
-                  <a:schemeClr val="tx1">
-                    <a:lumMod val="85000"/>
-                    <a:lumOff val="15000"/>
-                  </a:schemeClr>
-                </a:solidFill>
-                <a:latin typeface="微软雅黑" panose="020B0503020204020204" pitchFamily="34" charset="-122"/>
-                <a:ea typeface="微软雅黑" panose="020B0503020204020204" pitchFamily="34" charset="-122"/>
-              </a:rPr>
-              <a:t>日</a:t>
-            </a:r>
-            <a:endParaRPr lang="zh-CN" altLang="en-US" sz="1900" dirty="0">
-              <a:solidFill>
-                <a:schemeClr val="tx1">
-                  <a:lumMod val="85000"/>
-                  <a:lumOff val="15000"/>
-                </a:schemeClr>
-              </a:solidFill>
-              <a:latin typeface="微软雅黑" panose="020B0503020204020204" pitchFamily="34" charset="-122"/>
-              <a:ea typeface="微软雅黑" panose="020B0503020204020204" pitchFamily="34" charset="-122"/>
-            </a:endParaRPr>
-          </a:p>
-        </p:txBody>
-      </p:sp>
-      <p:cxnSp>
-        <p:nvCxnSpPr>
-          <p:cNvPr id="44" name="直接连接符 43"/>
-          <p:cNvCxnSpPr/>
-          <p:nvPr/>
-        </p:nvCxnSpPr>
-        <p:spPr>
-          <a:xfrm>
-            <a:off x="2639273" y="4529730"/>
-            <a:ext cx="6911868" cy="0"/>
-          </a:xfrm>
-          <a:prstGeom prst="line">
-            <a:avLst/>
-          </a:prstGeom>
-          <a:ln>
-            <a:solidFill>
-              <a:srgbClr val="38B1BF"/>
-            </a:solidFill>
-          </a:ln>
-        </p:spPr>
-        <p:style>
-          <a:lnRef idx="1">
-            <a:schemeClr val="accent1"/>
-          </a:lnRef>
-          <a:fillRef idx="0">
-            <a:schemeClr val="accent1"/>
-          </a:fillRef>
-          <a:effectRef idx="0">
-            <a:schemeClr val="accent1"/>
-          </a:effectRef>
-          <a:fontRef idx="minor">
-            <a:schemeClr val="tx1"/>
-          </a:fontRef>
-        </p:style>
-      </p:cxnSp>
-      <p:pic>
-        <p:nvPicPr>
-          <p:cNvPr id="46" name="商务.mp3">
-            <a:hlinkClick r:id="" action="ppaction://media"/>
-          </p:cNvPr>
-          <p:cNvPicPr>
-            <a:picLocks noChangeAspect="1"/>
-          </p:cNvPicPr>
-          <p:nvPr>
-            <a:audioFile r:link="rId1"/>
-            <p:extLst>
-              <p:ext uri="{DAA4B4D4-6D71-4841-9C94-3DE7FCFB9230}">
-                <p14:media xmlns:p14="http://schemas.microsoft.com/office/powerpoint/2010/main" r:embed="rId2"/>
-              </p:ext>
-            </p:extLst>
-          </p:nvPr>
-        </p:nvPicPr>
-        <p:blipFill>
-          <a:blip r:embed="rId3"/>
-          <a:stretch>
-            <a:fillRect/>
-          </a:stretch>
-        </p:blipFill>
-        <p:spPr>
-          <a:xfrm>
-            <a:off x="12418122" y="6197364"/>
-            <a:ext cx="812694" cy="812988"/>
-          </a:xfrm>
-          <a:prstGeom prst="rect">
-            <a:avLst/>
-          </a:prstGeom>
-        </p:spPr>
-      </p:pic>
-      <p:sp>
-        <p:nvSpPr>
-          <p:cNvPr id="2" name="文本框 1"/>
-          <p:cNvSpPr txBox="1"/>
-          <p:nvPr/>
-        </p:nvSpPr>
-        <p:spPr>
-          <a:xfrm>
-            <a:off x="4051300" y="5527040"/>
-            <a:ext cx="4747895" cy="414020"/>
-          </a:xfrm>
-          <a:prstGeom prst="rect">
-            <a:avLst/>
-          </a:prstGeom>
-          <a:noFill/>
-        </p:spPr>
-        <p:txBody>
-          <a:bodyPr wrap="square" rtlCol="0">
-            <a:spAutoFit/>
-          </a:bodyPr>
-          <a:lstStyle/>
-          <a:p>
-            <a:r>
-              <a:rPr lang="zh-CN" altLang="en-US" kern="300" spc="2000">
-                <a:solidFill>
-                  <a:schemeClr val="tx1"/>
-                </a:solidFill>
-                <a:uFillTx/>
-                <a:latin typeface="+中文标题" charset="0"/>
-                <a:ea typeface="+mj-ea"/>
-              </a:rPr>
-              <a:t>浙江大学城市学院</a:t>
-            </a:r>
-            <a:endParaRPr lang="zh-CN" altLang="en-US" kern="300" spc="2000">
-              <a:solidFill>
-                <a:schemeClr val="tx1"/>
-              </a:solidFill>
-              <a:uFillTx/>
-              <a:latin typeface="+中文标题" charset="0"/>
-              <a:ea typeface="+mj-ea"/>
-            </a:endParaRPr>
-          </a:p>
-        </p:txBody>
-      </p:sp>
-    </p:spTree>
-  </p:cSld>
-  <p:clrMapOvr>
-    <a:masterClrMapping/>
-  </p:clrMapOvr>
-  <mc:AlternateContent xmlns:mc="http://schemas.openxmlformats.org/markup-compatibility/2006">
-    <mc:Choice xmlns:p14="http://schemas.microsoft.com/office/powerpoint/2010/main" Requires="p14">
-      <p:transition spd="slow" p14:dur="1600" advClick="0" advTm="0">
-        <p:blinds dir="vert"/>
-      </p:transition>
-    </mc:Choice>
-    <mc:Fallback>
-      <p:transition spd="slow" advClick="0" advTm="0">
-        <p:blinds dir="vert"/>
-      </p:transition>
-    </mc:Fallback>
-  </mc:AlternateContent>
-  <p:timing>
-    <p:tnLst>
-      <p:par>
-        <p:cTn id="1" dur="indefinite" restart="never" nodeType="tmRoot">
-          <p:childTnLst>
-            <p:seq concurrent="1" nextAc="seek">
-              <p:cTn id="2" dur="indefinite" nodeType="mainSeq">
-                <p:childTnLst>
-                  <p:par>
-                    <p:cTn id="3" fill="hold">
-                      <p:stCondLst>
-                        <p:cond delay="indefinite"/>
-                        <p:cond evt="onBegin" delay="0">
-                          <p:tn val="2"/>
-                        </p:cond>
-                      </p:stCondLst>
-                      <p:childTnLst>
-                        <p:par>
-                          <p:cTn id="4" fill="hold">
-                            <p:stCondLst>
-                              <p:cond delay="0"/>
-                            </p:stCondLst>
-                            <p:childTnLst>
-                              <p:par>
-                                <p:cTn id="5" presetID="1" presetClass="mediacall" presetSubtype="0" fill="hold" nodeType="withEffect">
-                                  <p:stCondLst>
-                                    <p:cond delay="0"/>
-                                  </p:stCondLst>
-                                  <p:childTnLst>
-                                    <p:cmd type="call" cmd="playFrom(0.0)">
-                                      <p:cBhvr>
-                                        <p:cTn id="6" dur="1" fill="hold"/>
-                                        <p:tgtEl>
-                                          <p:spTgt spid="46"/>
-                                        </p:tgtEl>
-                                      </p:cBhvr>
-                                    </p:cmd>
-                                  </p:childTnLst>
-                                </p:cTn>
-                              </p:par>
-                              <p:par>
-                                <p:cTn id="7" presetID="10" presetClass="entr" presetSubtype="0" fill="hold" grpId="0" nodeType="withEffect">
-                                  <p:stCondLst>
-                                    <p:cond delay="0"/>
-                                  </p:stCondLst>
-                                  <p:childTnLst>
-                                    <p:set>
-                                      <p:cBhvr>
-                                        <p:cTn id="8" dur="1" fill="hold">
-                                          <p:stCondLst>
-                                            <p:cond delay="0"/>
-                                          </p:stCondLst>
-                                        </p:cTn>
-                                        <p:tgtEl>
-                                          <p:spTgt spid="36"/>
-                                        </p:tgtEl>
-                                        <p:attrNameLst>
-                                          <p:attrName>style.visibility</p:attrName>
-                                        </p:attrNameLst>
-                                      </p:cBhvr>
-                                      <p:to>
-                                        <p:strVal val="visible"/>
-                                      </p:to>
-                                    </p:set>
-                                    <p:animEffect transition="in" filter="fade">
-                                      <p:cBhvr>
-                                        <p:cTn id="9" dur="200"/>
-                                        <p:tgtEl>
-                                          <p:spTgt spid="36"/>
-                                        </p:tgtEl>
-                                      </p:cBhvr>
-                                    </p:animEffect>
-                                  </p:childTnLst>
-                                </p:cTn>
-                              </p:par>
-                              <p:par>
-                                <p:cTn id="10" presetID="10" presetClass="entr" presetSubtype="0" fill="hold" grpId="0" nodeType="withEffect">
-                                  <p:stCondLst>
-                                    <p:cond delay="0"/>
-                                  </p:stCondLst>
-                                  <p:childTnLst>
-                                    <p:set>
-                                      <p:cBhvr>
-                                        <p:cTn id="11" dur="1" fill="hold">
-                                          <p:stCondLst>
-                                            <p:cond delay="0"/>
-                                          </p:stCondLst>
-                                        </p:cTn>
-                                        <p:tgtEl>
-                                          <p:spTgt spid="37"/>
-                                        </p:tgtEl>
-                                        <p:attrNameLst>
-                                          <p:attrName>style.visibility</p:attrName>
-                                        </p:attrNameLst>
-                                      </p:cBhvr>
-                                      <p:to>
-                                        <p:strVal val="visible"/>
-                                      </p:to>
-                                    </p:set>
-                                    <p:animEffect transition="in" filter="fade">
-                                      <p:cBhvr>
-                                        <p:cTn id="12" dur="200"/>
-                                        <p:tgtEl>
-                                          <p:spTgt spid="37"/>
-                                        </p:tgtEl>
-                                      </p:cBhvr>
-                                    </p:animEffect>
-                                  </p:childTnLst>
-                                </p:cTn>
-                              </p:par>
-                              <p:par>
-                                <p:cTn id="13" presetID="10" presetClass="entr" presetSubtype="0" fill="hold" grpId="0" nodeType="withEffect">
-                                  <p:stCondLst>
-                                    <p:cond delay="0"/>
-                                  </p:stCondLst>
-                                  <p:childTnLst>
-                                    <p:set>
-                                      <p:cBhvr>
-                                        <p:cTn id="14" dur="1" fill="hold">
-                                          <p:stCondLst>
-                                            <p:cond delay="0"/>
-                                          </p:stCondLst>
-                                        </p:cTn>
-                                        <p:tgtEl>
-                                          <p:spTgt spid="38"/>
-                                        </p:tgtEl>
-                                        <p:attrNameLst>
-                                          <p:attrName>style.visibility</p:attrName>
-                                        </p:attrNameLst>
-                                      </p:cBhvr>
-                                      <p:to>
-                                        <p:strVal val="visible"/>
-                                      </p:to>
-                                    </p:set>
-                                    <p:animEffect transition="in" filter="fade">
-                                      <p:cBhvr>
-                                        <p:cTn id="15" dur="200"/>
-                                        <p:tgtEl>
-                                          <p:spTgt spid="38"/>
-                                        </p:tgtEl>
-                                      </p:cBhvr>
-                                    </p:animEffect>
-                                  </p:childTnLst>
-                                </p:cTn>
-                              </p:par>
-                              <p:par>
-                                <p:cTn id="16" presetID="10" presetClass="entr" presetSubtype="0" fill="hold" grpId="0" nodeType="withEffect">
-                                  <p:stCondLst>
-                                    <p:cond delay="0"/>
-                                  </p:stCondLst>
-                                  <p:childTnLst>
-                                    <p:set>
-                                      <p:cBhvr>
-                                        <p:cTn id="17" dur="1" fill="hold">
-                                          <p:stCondLst>
-                                            <p:cond delay="0"/>
-                                          </p:stCondLst>
-                                        </p:cTn>
-                                        <p:tgtEl>
-                                          <p:spTgt spid="39"/>
-                                        </p:tgtEl>
-                                        <p:attrNameLst>
-                                          <p:attrName>style.visibility</p:attrName>
-                                        </p:attrNameLst>
-                                      </p:cBhvr>
-                                      <p:to>
-                                        <p:strVal val="visible"/>
-                                      </p:to>
-                                    </p:set>
-                                    <p:animEffect transition="in" filter="fade">
-                                      <p:cBhvr>
-                                        <p:cTn id="18" dur="200"/>
-                                        <p:tgtEl>
-                                          <p:spTgt spid="39"/>
-                                        </p:tgtEl>
-                                      </p:cBhvr>
-                                    </p:animEffect>
-                                  </p:childTnLst>
-                                </p:cTn>
-                              </p:par>
-                              <p:par>
-                                <p:cTn id="19" presetID="10" presetClass="entr" presetSubtype="0" fill="hold" grpId="0" nodeType="withEffect">
-                                  <p:stCondLst>
-                                    <p:cond delay="0"/>
-                                  </p:stCondLst>
-                                  <p:childTnLst>
-                                    <p:set>
-                                      <p:cBhvr>
-                                        <p:cTn id="20" dur="1" fill="hold">
-                                          <p:stCondLst>
-                                            <p:cond delay="0"/>
-                                          </p:stCondLst>
-                                        </p:cTn>
-                                        <p:tgtEl>
-                                          <p:spTgt spid="32"/>
-                                        </p:tgtEl>
-                                        <p:attrNameLst>
-                                          <p:attrName>style.visibility</p:attrName>
-                                        </p:attrNameLst>
-                                      </p:cBhvr>
-                                      <p:to>
-                                        <p:strVal val="visible"/>
-                                      </p:to>
-                                    </p:set>
-                                    <p:animEffect transition="in" filter="fade">
-                                      <p:cBhvr>
-                                        <p:cTn id="21" dur="200"/>
-                                        <p:tgtEl>
-                                          <p:spTgt spid="32"/>
-                                        </p:tgtEl>
-                                      </p:cBhvr>
-                                    </p:animEffect>
-                                  </p:childTnLst>
-                                </p:cTn>
-                              </p:par>
-                              <p:par>
-                                <p:cTn id="22" presetID="10" presetClass="entr" presetSubtype="0" fill="hold" grpId="0" nodeType="withEffect">
-                                  <p:stCondLst>
-                                    <p:cond delay="0"/>
-                                  </p:stCondLst>
-                                  <p:childTnLst>
-                                    <p:set>
-                                      <p:cBhvr>
-                                        <p:cTn id="23" dur="1" fill="hold">
-                                          <p:stCondLst>
-                                            <p:cond delay="0"/>
-                                          </p:stCondLst>
-                                        </p:cTn>
-                                        <p:tgtEl>
-                                          <p:spTgt spid="33"/>
-                                        </p:tgtEl>
-                                        <p:attrNameLst>
-                                          <p:attrName>style.visibility</p:attrName>
-                                        </p:attrNameLst>
-                                      </p:cBhvr>
-                                      <p:to>
-                                        <p:strVal val="visible"/>
-                                      </p:to>
-                                    </p:set>
-                                    <p:animEffect transition="in" filter="fade">
-                                      <p:cBhvr>
-                                        <p:cTn id="24" dur="200"/>
-                                        <p:tgtEl>
-                                          <p:spTgt spid="33"/>
-                                        </p:tgtEl>
-                                      </p:cBhvr>
-                                    </p:animEffect>
-                                  </p:childTnLst>
-                                </p:cTn>
-                              </p:par>
-                              <p:par>
-                                <p:cTn id="25" presetID="10" presetClass="entr" presetSubtype="0" fill="hold" grpId="0" nodeType="withEffect">
-                                  <p:stCondLst>
-                                    <p:cond delay="0"/>
-                                  </p:stCondLst>
-                                  <p:childTnLst>
-                                    <p:set>
-                                      <p:cBhvr>
-                                        <p:cTn id="26" dur="1" fill="hold">
-                                          <p:stCondLst>
-                                            <p:cond delay="0"/>
-                                          </p:stCondLst>
-                                        </p:cTn>
-                                        <p:tgtEl>
-                                          <p:spTgt spid="34"/>
-                                        </p:tgtEl>
-                                        <p:attrNameLst>
-                                          <p:attrName>style.visibility</p:attrName>
-                                        </p:attrNameLst>
-                                      </p:cBhvr>
-                                      <p:to>
-                                        <p:strVal val="visible"/>
-                                      </p:to>
-                                    </p:set>
-                                    <p:animEffect transition="in" filter="fade">
-                                      <p:cBhvr>
-                                        <p:cTn id="27" dur="200"/>
-                                        <p:tgtEl>
-                                          <p:spTgt spid="34"/>
-                                        </p:tgtEl>
-                                      </p:cBhvr>
-                                    </p:animEffect>
-                                  </p:childTnLst>
-                                </p:cTn>
-                              </p:par>
-                              <p:par>
-                                <p:cTn id="28" presetID="10" presetClass="entr" presetSubtype="0" fill="hold" grpId="0" nodeType="withEffect">
-                                  <p:stCondLst>
-                                    <p:cond delay="0"/>
-                                  </p:stCondLst>
-                                  <p:childTnLst>
-                                    <p:set>
-                                      <p:cBhvr>
-                                        <p:cTn id="29" dur="1" fill="hold">
-                                          <p:stCondLst>
-                                            <p:cond delay="0"/>
-                                          </p:stCondLst>
-                                        </p:cTn>
-                                        <p:tgtEl>
-                                          <p:spTgt spid="35"/>
-                                        </p:tgtEl>
-                                        <p:attrNameLst>
-                                          <p:attrName>style.visibility</p:attrName>
-                                        </p:attrNameLst>
-                                      </p:cBhvr>
-                                      <p:to>
-                                        <p:strVal val="visible"/>
-                                      </p:to>
-                                    </p:set>
-                                    <p:animEffect transition="in" filter="fade">
-                                      <p:cBhvr>
-                                        <p:cTn id="30" dur="200"/>
-                                        <p:tgtEl>
-                                          <p:spTgt spid="35"/>
-                                        </p:tgtEl>
-                                      </p:cBhvr>
-                                    </p:animEffect>
-                                  </p:childTnLst>
-                                </p:cTn>
-                              </p:par>
-                            </p:childTnLst>
-                          </p:cTn>
-                        </p:par>
-                        <p:par>
-                          <p:cTn id="31" fill="hold">
-                            <p:stCondLst>
-                              <p:cond delay="0"/>
-                            </p:stCondLst>
-                            <p:childTnLst>
-                              <p:par>
-                                <p:cTn id="32" presetID="2" presetClass="entr" presetSubtype="8" fill="hold" nodeType="afterEffect">
-                                  <p:stCondLst>
-                                    <p:cond delay="0"/>
-                                  </p:stCondLst>
-                                  <p:childTnLst>
-                                    <p:set>
-                                      <p:cBhvr>
-                                        <p:cTn id="33" dur="1" fill="hold">
-                                          <p:stCondLst>
-                                            <p:cond delay="0"/>
-                                          </p:stCondLst>
-                                        </p:cTn>
-                                        <p:tgtEl>
-                                          <p:spTgt spid="30"/>
-                                        </p:tgtEl>
-                                        <p:attrNameLst>
-                                          <p:attrName>style.visibility</p:attrName>
-                                        </p:attrNameLst>
-                                      </p:cBhvr>
-                                      <p:to>
-                                        <p:strVal val="visible"/>
-                                      </p:to>
-                                    </p:set>
-                                    <p:anim calcmode="lin" valueType="num">
-                                      <p:cBhvr additive="base">
-                                        <p:cTn id="34" dur="500" fill="hold"/>
-                                        <p:tgtEl>
-                                          <p:spTgt spid="30"/>
-                                        </p:tgtEl>
-                                        <p:attrNameLst>
-                                          <p:attrName>ppt_x</p:attrName>
-                                        </p:attrNameLst>
-                                      </p:cBhvr>
-                                      <p:tavLst>
-                                        <p:tav tm="0">
-                                          <p:val>
-                                            <p:strVal val="0-#ppt_w/2"/>
-                                          </p:val>
-                                        </p:tav>
-                                        <p:tav tm="100000">
-                                          <p:val>
-                                            <p:strVal val="#ppt_x"/>
-                                          </p:val>
-                                        </p:tav>
-                                      </p:tavLst>
-                                    </p:anim>
-                                    <p:anim calcmode="lin" valueType="num">
-                                      <p:cBhvr additive="base">
-                                        <p:cTn id="35" dur="500" fill="hold"/>
-                                        <p:tgtEl>
-                                          <p:spTgt spid="30"/>
-                                        </p:tgtEl>
-                                        <p:attrNameLst>
-                                          <p:attrName>ppt_y</p:attrName>
-                                        </p:attrNameLst>
-                                      </p:cBhvr>
-                                      <p:tavLst>
-                                        <p:tav tm="0">
-                                          <p:val>
-                                            <p:strVal val="#ppt_y"/>
-                                          </p:val>
-                                        </p:tav>
-                                        <p:tav tm="100000">
-                                          <p:val>
-                                            <p:strVal val="#ppt_y"/>
-                                          </p:val>
-                                        </p:tav>
-                                      </p:tavLst>
-                                    </p:anim>
-                                  </p:childTnLst>
-                                </p:cTn>
-                              </p:par>
-                              <p:par>
-                                <p:cTn id="36" presetID="2" presetClass="entr" presetSubtype="2" fill="hold" nodeType="withEffect">
-                                  <p:stCondLst>
-                                    <p:cond delay="0"/>
-                                  </p:stCondLst>
-                                  <p:childTnLst>
-                                    <p:set>
-                                      <p:cBhvr>
-                                        <p:cTn id="37" dur="1" fill="hold">
-                                          <p:stCondLst>
-                                            <p:cond delay="0"/>
-                                          </p:stCondLst>
-                                        </p:cTn>
-                                        <p:tgtEl>
-                                          <p:spTgt spid="31"/>
-                                        </p:tgtEl>
-                                        <p:attrNameLst>
-                                          <p:attrName>style.visibility</p:attrName>
-                                        </p:attrNameLst>
-                                      </p:cBhvr>
-                                      <p:to>
-                                        <p:strVal val="visible"/>
-                                      </p:to>
-                                    </p:set>
-                                    <p:anim calcmode="lin" valueType="num">
-                                      <p:cBhvr additive="base">
-                                        <p:cTn id="38" dur="500" fill="hold"/>
-                                        <p:tgtEl>
-                                          <p:spTgt spid="31"/>
-                                        </p:tgtEl>
-                                        <p:attrNameLst>
-                                          <p:attrName>ppt_x</p:attrName>
-                                        </p:attrNameLst>
-                                      </p:cBhvr>
-                                      <p:tavLst>
-                                        <p:tav tm="0">
-                                          <p:val>
-                                            <p:strVal val="1+#ppt_w/2"/>
-                                          </p:val>
-                                        </p:tav>
-                                        <p:tav tm="100000">
-                                          <p:val>
-                                            <p:strVal val="#ppt_x"/>
-                                          </p:val>
-                                        </p:tav>
-                                      </p:tavLst>
-                                    </p:anim>
-                                    <p:anim calcmode="lin" valueType="num">
-                                      <p:cBhvr additive="base">
-                                        <p:cTn id="39" dur="500" fill="hold"/>
-                                        <p:tgtEl>
-                                          <p:spTgt spid="31"/>
-                                        </p:tgtEl>
-                                        <p:attrNameLst>
-                                          <p:attrName>ppt_y</p:attrName>
-                                        </p:attrNameLst>
-                                      </p:cBhvr>
-                                      <p:tavLst>
-                                        <p:tav tm="0">
-                                          <p:val>
-                                            <p:strVal val="#ppt_y"/>
-                                          </p:val>
-                                        </p:tav>
-                                        <p:tav tm="100000">
-                                          <p:val>
-                                            <p:strVal val="#ppt_y"/>
-                                          </p:val>
-                                        </p:tav>
-                                      </p:tavLst>
-                                    </p:anim>
-                                  </p:childTnLst>
-                                </p:cTn>
-                              </p:par>
-                            </p:childTnLst>
-                          </p:cTn>
-                        </p:par>
-                        <p:par>
-                          <p:cTn id="40" fill="hold">
-                            <p:stCondLst>
-                              <p:cond delay="500"/>
-                            </p:stCondLst>
-                            <p:childTnLst>
-                              <p:par>
-                                <p:cTn id="41" presetID="16" presetClass="entr" presetSubtype="37" fill="hold" grpId="0" nodeType="afterEffect">
-                                  <p:stCondLst>
-                                    <p:cond delay="0"/>
-                                  </p:stCondLst>
-                                  <p:childTnLst>
-                                    <p:set>
-                                      <p:cBhvr>
-                                        <p:cTn id="42" dur="1" fill="hold">
-                                          <p:stCondLst>
-                                            <p:cond delay="0"/>
-                                          </p:stCondLst>
-                                        </p:cTn>
-                                        <p:tgtEl>
-                                          <p:spTgt spid="42"/>
-                                        </p:tgtEl>
-                                        <p:attrNameLst>
-                                          <p:attrName>style.visibility</p:attrName>
-                                        </p:attrNameLst>
-                                      </p:cBhvr>
-                                      <p:to>
-                                        <p:strVal val="visible"/>
-                                      </p:to>
-                                    </p:set>
-                                    <p:animEffect transition="in" filter="barn(outVertical)">
-                                      <p:cBhvr>
-                                        <p:cTn id="43" dur="1000"/>
-                                        <p:tgtEl>
-                                          <p:spTgt spid="42"/>
-                                        </p:tgtEl>
-                                      </p:cBhvr>
-                                    </p:animEffect>
-                                  </p:childTnLst>
-                                </p:cTn>
-                              </p:par>
-                            </p:childTnLst>
-                          </p:cTn>
-                        </p:par>
-                        <p:par>
-                          <p:cTn id="44" fill="hold">
-                            <p:stCondLst>
-                              <p:cond delay="1500"/>
-                            </p:stCondLst>
-                            <p:childTnLst>
-                              <p:par>
-                                <p:cTn id="45" presetID="22" presetClass="entr" presetSubtype="8" fill="hold" nodeType="afterEffect">
-                                  <p:stCondLst>
-                                    <p:cond delay="0"/>
-                                  </p:stCondLst>
-                                  <p:childTnLst>
-                                    <p:set>
-                                      <p:cBhvr>
-                                        <p:cTn id="46" dur="1" fill="hold">
-                                          <p:stCondLst>
-                                            <p:cond delay="0"/>
-                                          </p:stCondLst>
-                                        </p:cTn>
-                                        <p:tgtEl>
-                                          <p:spTgt spid="44"/>
-                                        </p:tgtEl>
-                                        <p:attrNameLst>
-                                          <p:attrName>style.visibility</p:attrName>
-                                        </p:attrNameLst>
-                                      </p:cBhvr>
-                                      <p:to>
-                                        <p:strVal val="visible"/>
-                                      </p:to>
-                                    </p:set>
-                                    <p:animEffect transition="in" filter="wipe(left)">
-                                      <p:cBhvr>
-                                        <p:cTn id="47" dur="500"/>
-                                        <p:tgtEl>
-                                          <p:spTgt spid="44"/>
-                                        </p:tgtEl>
-                                      </p:cBhvr>
-                                    </p:animEffect>
-                                  </p:childTnLst>
-                                </p:cTn>
-                              </p:par>
-                            </p:childTnLst>
-                          </p:cTn>
-                        </p:par>
-                        <p:par>
-                          <p:cTn id="48" fill="hold">
-                            <p:stCondLst>
-                              <p:cond delay="2000"/>
-                            </p:stCondLst>
-                            <p:childTnLst>
-                              <p:par>
-                                <p:cTn id="49" presetID="12" presetClass="entr" presetSubtype="4" fill="hold" grpId="0" nodeType="afterEffect">
-                                  <p:stCondLst>
-                                    <p:cond delay="0"/>
-                                  </p:stCondLst>
-                                  <p:childTnLst>
-                                    <p:set>
-                                      <p:cBhvr>
-                                        <p:cTn id="50" dur="1" fill="hold">
-                                          <p:stCondLst>
-                                            <p:cond delay="0"/>
-                                          </p:stCondLst>
-                                        </p:cTn>
-                                        <p:tgtEl>
-                                          <p:spTgt spid="41"/>
-                                        </p:tgtEl>
-                                        <p:attrNameLst>
-                                          <p:attrName>style.visibility</p:attrName>
-                                        </p:attrNameLst>
-                                      </p:cBhvr>
-                                      <p:to>
-                                        <p:strVal val="visible"/>
-                                      </p:to>
-                                    </p:set>
-                                    <p:anim calcmode="lin" valueType="num">
-                                      <p:cBhvr additive="base">
-                                        <p:cTn id="51" dur="500"/>
-                                        <p:tgtEl>
-                                          <p:spTgt spid="41"/>
-                                        </p:tgtEl>
-                                        <p:attrNameLst>
-                                          <p:attrName>ppt_y</p:attrName>
-                                        </p:attrNameLst>
-                                      </p:cBhvr>
-                                      <p:tavLst>
-                                        <p:tav tm="0">
-                                          <p:val>
-                                            <p:strVal val="#ppt_y+#ppt_h*1.125000"/>
-                                          </p:val>
-                                        </p:tav>
-                                        <p:tav tm="100000">
-                                          <p:val>
-                                            <p:strVal val="#ppt_y"/>
-                                          </p:val>
-                                        </p:tav>
-                                      </p:tavLst>
-                                    </p:anim>
-                                    <p:animEffect transition="in" filter="wipe(up)">
-                                      <p:cBhvr>
-                                        <p:cTn id="52" dur="500"/>
-                                        <p:tgtEl>
-                                          <p:spTgt spid="41"/>
-                                        </p:tgtEl>
-                                      </p:cBhvr>
-                                    </p:animEffect>
-                                  </p:childTnLst>
-                                </p:cTn>
-                              </p:par>
-                            </p:childTnLst>
-                          </p:cTn>
-                        </p:par>
-                        <p:par>
-                          <p:cTn id="53" fill="hold">
-                            <p:stCondLst>
-                              <p:cond delay="2500"/>
-                            </p:stCondLst>
-                            <p:childTnLst>
-                              <p:par>
-                                <p:cTn id="54" presetID="12" presetClass="entr" presetSubtype="4" fill="hold" grpId="0" nodeType="afterEffect">
-                                  <p:stCondLst>
-                                    <p:cond delay="0"/>
-                                  </p:stCondLst>
-                                  <p:childTnLst>
-                                    <p:set>
-                                      <p:cBhvr>
-                                        <p:cTn id="55" dur="1" fill="hold">
-                                          <p:stCondLst>
-                                            <p:cond delay="0"/>
-                                          </p:stCondLst>
-                                        </p:cTn>
-                                        <p:tgtEl>
-                                          <p:spTgt spid="43"/>
-                                        </p:tgtEl>
-                                        <p:attrNameLst>
-                                          <p:attrName>style.visibility</p:attrName>
-                                        </p:attrNameLst>
-                                      </p:cBhvr>
-                                      <p:to>
-                                        <p:strVal val="visible"/>
-                                      </p:to>
-                                    </p:set>
-                                    <p:anim calcmode="lin" valueType="num">
-                                      <p:cBhvr additive="base">
-                                        <p:cTn id="56" dur="500"/>
-                                        <p:tgtEl>
-                                          <p:spTgt spid="43"/>
-                                        </p:tgtEl>
-                                        <p:attrNameLst>
-                                          <p:attrName>ppt_y</p:attrName>
-                                        </p:attrNameLst>
-                                      </p:cBhvr>
-                                      <p:tavLst>
-                                        <p:tav tm="0">
-                                          <p:val>
-                                            <p:strVal val="#ppt_y+#ppt_h*1.125000"/>
-                                          </p:val>
-                                        </p:tav>
-                                        <p:tav tm="100000">
-                                          <p:val>
-                                            <p:strVal val="#ppt_y"/>
-                                          </p:val>
-                                        </p:tav>
-                                      </p:tavLst>
-                                    </p:anim>
-                                    <p:animEffect transition="in" filter="wipe(up)">
-                                      <p:cBhvr>
-                                        <p:cTn id="57" dur="500"/>
-                                        <p:tgtEl>
-                                          <p:spTgt spid="43"/>
-                                        </p:tgtEl>
-                                      </p:cBhvr>
-                                    </p:animEffect>
-                                  </p:childTnLst>
-                                </p:cTn>
-                              </p:par>
-                            </p:childTnLst>
-                          </p:cTn>
-                        </p:par>
-                      </p:childTnLst>
-                    </p:cTn>
-                  </p:par>
-                </p:childTnLst>
-              </p:cTn>
-              <p:prevCondLst>
-                <p:cond evt="onPrev" delay="0">
-                  <p:tgtEl>
-                    <p:sldTgt/>
-                  </p:tgtEl>
-                </p:cond>
-              </p:prevCondLst>
-              <p:nextCondLst>
-                <p:cond evt="onNext" delay="0">
-                  <p:tgtEl>
-                    <p:sldTgt/>
-                  </p:tgtEl>
-                </p:cond>
-              </p:nextCondLst>
-            </p:seq>
-            <p:audio>
-              <p:cMediaNode vol="80000" numSld="999" showWhenStopped="0">
-                <p:cTn id="58" repeatCount="indefinite" fill="hold" display="0">
-                  <p:stCondLst>
-                    <p:cond delay="indefinite"/>
-                  </p:stCondLst>
-                  <p:endCondLst>
-                    <p:cond evt="onStopAudio" delay="0">
-                      <p:tgtEl>
-                        <p:sldTgt/>
-                      </p:tgtEl>
-                    </p:cond>
-                  </p:endCondLst>
-                </p:cTn>
-                <p:tgtEl>
-                  <p:spTgt spid="46"/>
-                </p:tgtEl>
-              </p:cMediaNode>
-            </p:audio>
-          </p:childTnLst>
-        </p:cTn>
-      </p:par>
-    </p:tnLst>
-    <p:bldLst>
-      <p:bldP spid="32" grpId="0" bldLvl="0" animBg="1"/>
-      <p:bldP spid="33" grpId="0" bldLvl="0" animBg="1"/>
-      <p:bldP spid="34" grpId="0" bldLvl="0" animBg="1"/>
-      <p:bldP spid="35" grpId="0" bldLvl="0" animBg="1"/>
-      <p:bldP spid="36" grpId="0" bldLvl="0" animBg="1"/>
-      <p:bldP spid="37" grpId="0" bldLvl="0" animBg="1"/>
-      <p:bldP spid="38" grpId="0" bldLvl="0" animBg="1"/>
-      <p:bldP spid="39" grpId="0" bldLvl="0" animBg="1"/>
-      <p:bldP spid="41" grpId="0"/>
-      <p:bldP spid="42" grpId="0" bldLvl="0" animBg="1"/>
-      <p:bldP spid="43" grpId="0"/>
-    </p:bldLst>
-  </p:timing>
-</p:sld>
-</file>
-
 <file path=ppt/slides/slide3.xml><?xml version="1.0" encoding="utf-8"?>
 <p:sld xmlns:a="http://schemas.openxmlformats.org/drawingml/2006/main" xmlns:r="http://schemas.openxmlformats.org/officeDocument/2006/relationships" xmlns:p="http://schemas.openxmlformats.org/presentationml/2006/main">
   <p:cSld>
@@ -15779,8 +15154,8 @@
         </p:nvSpPr>
         <p:spPr>
           <a:xfrm>
-            <a:off x="1630680" y="693420"/>
-            <a:ext cx="8174355" cy="521970"/>
+            <a:off x="1650365" y="791845"/>
+            <a:ext cx="8174355" cy="583565"/>
           </a:xfrm>
           <a:prstGeom prst="rect">
             <a:avLst/>
@@ -15792,16 +15167,219 @@
           </a:bodyPr>
           <a:p>
             <a:r>
-              <a:rPr lang="zh-CN" altLang="en-US" sz="2800" dirty="0"/>
-              <a:t>三者关系图：</a:t>
-            </a:r>
-            <a:endParaRPr lang="zh-CN" altLang="en-US" sz="2800" dirty="0"/>
+              <a:rPr lang="en-US" sz="3200" dirty="0"/>
+              <a:t>UML</a:t>
+            </a:r>
+            <a:r>
+              <a:rPr lang="zh-CN" altLang="en-US" sz="3200" dirty="0"/>
+              <a:t>中的事物</a:t>
+            </a:r>
+            <a:r>
+              <a:rPr lang="en-US" altLang="zh-CN" sz="3200" dirty="0"/>
+              <a:t>——</a:t>
+            </a:r>
+            <a:r>
+              <a:rPr lang="zh-CN" altLang="en-US" sz="3200" dirty="0"/>
+              <a:t>结构事物（列举三个）</a:t>
+            </a:r>
+            <a:endParaRPr lang="zh-CN" altLang="en-US" sz="3200" dirty="0"/>
+          </a:p>
+        </p:txBody>
+      </p:sp>
+      <p:sp>
+        <p:nvSpPr>
+          <p:cNvPr id="6" name="矩形 5"/>
+          <p:cNvSpPr/>
+          <p:nvPr/>
+        </p:nvSpPr>
+        <p:spPr>
+          <a:xfrm>
+            <a:off x="1551940" y="1497965"/>
+            <a:ext cx="10158730" cy="460375"/>
+          </a:xfrm>
+          <a:prstGeom prst="rect">
+            <a:avLst/>
+          </a:prstGeom>
+        </p:spPr>
+        <p:txBody>
+          <a:bodyPr wrap="square">
+            <a:spAutoFit/>
+          </a:bodyPr>
+          <a:p>
+            <a:r>
+              <a:rPr lang="en-US" altLang="zh-CN" sz="2400" dirty="0"/>
+              <a:t>1.</a:t>
+            </a:r>
+            <a:r>
+              <a:rPr lang="zh-CN" altLang="en-US" sz="2400" dirty="0"/>
+              <a:t>类（</a:t>
+            </a:r>
+            <a:r>
+              <a:rPr lang="en-US" altLang="zh-CN" sz="2400" dirty="0"/>
+              <a:t>class</a:t>
+            </a:r>
+            <a:r>
+              <a:rPr lang="zh-CN" altLang="en-US" sz="2400" dirty="0"/>
+              <a:t>）</a:t>
+            </a:r>
+            <a:endParaRPr lang="zh-CN" altLang="en-US" sz="2400" dirty="0"/>
+          </a:p>
+        </p:txBody>
+      </p:sp>
+      <p:sp>
+        <p:nvSpPr>
+          <p:cNvPr id="7" name="矩形 6"/>
+          <p:cNvSpPr/>
+          <p:nvPr/>
+        </p:nvSpPr>
+        <p:spPr>
+          <a:xfrm>
+            <a:off x="4056380" y="1497965"/>
+            <a:ext cx="5285105" cy="460375"/>
+          </a:xfrm>
+          <a:prstGeom prst="rect">
+            <a:avLst/>
+          </a:prstGeom>
+        </p:spPr>
+        <p:txBody>
+          <a:bodyPr wrap="square">
+            <a:spAutoFit/>
+          </a:bodyPr>
+          <a:p>
+            <a:r>
+              <a:rPr lang="en-US" sz="2400" dirty="0"/>
+              <a:t>2.</a:t>
+            </a:r>
+            <a:r>
+              <a:rPr sz="2400" dirty="0"/>
+              <a:t>接口（interface）</a:t>
+            </a:r>
+            <a:endParaRPr lang="zh-CN" altLang="en-US" sz="2400" dirty="0"/>
+          </a:p>
+        </p:txBody>
+      </p:sp>
+      <p:sp>
+        <p:nvSpPr>
+          <p:cNvPr id="11" name="矩形 10"/>
+          <p:cNvSpPr/>
+          <p:nvPr/>
+        </p:nvSpPr>
+        <p:spPr>
+          <a:xfrm>
+            <a:off x="8034020" y="1497965"/>
+            <a:ext cx="3408680" cy="460375"/>
+          </a:xfrm>
+          <a:prstGeom prst="rect">
+            <a:avLst/>
+          </a:prstGeom>
+        </p:spPr>
+        <p:txBody>
+          <a:bodyPr wrap="square">
+            <a:spAutoFit/>
+          </a:bodyPr>
+          <a:p>
+            <a:r>
+              <a:rPr lang="en-US" sz="2400" dirty="0"/>
+              <a:t>3.</a:t>
+            </a:r>
+            <a:r>
+              <a:rPr sz="2400" dirty="0"/>
+              <a:t>协作（collaboration）</a:t>
+            </a:r>
+            <a:endParaRPr sz="2400" dirty="0"/>
+          </a:p>
+        </p:txBody>
+      </p:sp>
+      <p:sp>
+        <p:nvSpPr>
+          <p:cNvPr id="13" name="文本框 12"/>
+          <p:cNvSpPr txBox="1"/>
+          <p:nvPr/>
+        </p:nvSpPr>
+        <p:spPr>
+          <a:xfrm>
+            <a:off x="1155065" y="4806315"/>
+            <a:ext cx="2540000" cy="1706880"/>
+          </a:xfrm>
+          <a:prstGeom prst="rect">
+            <a:avLst/>
+          </a:prstGeom>
+          <a:noFill/>
+        </p:spPr>
+        <p:txBody>
+          <a:bodyPr wrap="square" rtlCol="0" anchor="t">
+            <a:spAutoFit/>
+          </a:bodyPr>
+          <a:p>
+            <a:r>
+              <a:rPr lang="zh-CN" altLang="en-US"/>
+              <a:t>类是对一组具有相同属性、方法、关系和语义的对象的描述。一个类实现一个或多个接口</a:t>
+            </a:r>
+            <a:endParaRPr lang="zh-CN" altLang="en-US"/>
+          </a:p>
+        </p:txBody>
+      </p:sp>
+      <p:sp>
+        <p:nvSpPr>
+          <p:cNvPr id="14" name="文本框 13"/>
+          <p:cNvSpPr txBox="1"/>
+          <p:nvPr/>
+        </p:nvSpPr>
+        <p:spPr>
+          <a:xfrm>
+            <a:off x="4447540" y="4644390"/>
+            <a:ext cx="2863850" cy="2030095"/>
+          </a:xfrm>
+          <a:prstGeom prst="rect">
+            <a:avLst/>
+          </a:prstGeom>
+          <a:noFill/>
+        </p:spPr>
+        <p:txBody>
+          <a:bodyPr wrap="square" rtlCol="0" anchor="t">
+            <a:spAutoFit/>
+          </a:bodyPr>
+          <a:p>
+            <a:r>
+              <a:rPr lang="zh-CN" altLang="en-US"/>
+              <a:t>接口描述了一个类或构件的一个服务的操作集，接口仅仅是定义了一组操作的规范，它并没有给出这组操作的具体实现</a:t>
+            </a:r>
+            <a:endParaRPr lang="zh-CN" altLang="en-US"/>
+          </a:p>
+        </p:txBody>
+      </p:sp>
+      <p:sp>
+        <p:nvSpPr>
+          <p:cNvPr id="15" name="文本框 14"/>
+          <p:cNvSpPr txBox="1"/>
+          <p:nvPr/>
+        </p:nvSpPr>
+        <p:spPr>
+          <a:xfrm>
+            <a:off x="8371205" y="4068445"/>
+            <a:ext cx="3237230" cy="2676525"/>
+          </a:xfrm>
+          <a:prstGeom prst="rect">
+            <a:avLst/>
+          </a:prstGeom>
+          <a:noFill/>
+        </p:spPr>
+        <p:txBody>
+          <a:bodyPr wrap="square" rtlCol="0" anchor="t">
+            <a:spAutoFit/>
+          </a:bodyPr>
+          <a:p>
+            <a:r>
+              <a:rPr lang="zh-CN" altLang="en-US"/>
+              <a:t>协作定义了一个交互，它是由一组共同工作以提供某协作的角色和其他元素构成的群体，这些协作行为大于所有元素的各行为的总和。因此，协作有结构、行为和维度。一个给定的类可以参与几个协作</a:t>
+            </a:r>
+            <a:endParaRPr lang="zh-CN" altLang="en-US"/>
           </a:p>
         </p:txBody>
       </p:sp>
       <p:pic>
         <p:nvPicPr>
-          <p:cNvPr id="5" name="图片 4"/>
+          <p:cNvPr id="9" name="图片 8"/>
           <p:cNvPicPr>
             <a:picLocks noChangeAspect="1"/>
           </p:cNvPicPr>
@@ -15815,8 +15393,56 @@
         </p:blipFill>
         <p:spPr>
           <a:xfrm>
-            <a:off x="4029710" y="708660"/>
-            <a:ext cx="7430135" cy="5441950"/>
+            <a:off x="1025525" y="2620645"/>
+            <a:ext cx="2799715" cy="1962150"/>
+          </a:xfrm>
+          <a:prstGeom prst="rect">
+            <a:avLst/>
+          </a:prstGeom>
+        </p:spPr>
+      </p:pic>
+      <p:pic>
+        <p:nvPicPr>
+          <p:cNvPr id="16" name="图片 15"/>
+          <p:cNvPicPr>
+            <a:picLocks noChangeAspect="1"/>
+          </p:cNvPicPr>
+          <p:nvPr/>
+        </p:nvPicPr>
+        <p:blipFill>
+          <a:blip r:embed="rId2"/>
+          <a:stretch>
+            <a:fillRect/>
+          </a:stretch>
+        </p:blipFill>
+        <p:spPr>
+          <a:xfrm>
+            <a:off x="8519795" y="2344420"/>
+            <a:ext cx="2247900" cy="1428750"/>
+          </a:xfrm>
+          <a:prstGeom prst="rect">
+            <a:avLst/>
+          </a:prstGeom>
+        </p:spPr>
+      </p:pic>
+      <p:pic>
+        <p:nvPicPr>
+          <p:cNvPr id="18" name="图片 17"/>
+          <p:cNvPicPr>
+            <a:picLocks noChangeAspect="1"/>
+          </p:cNvPicPr>
+          <p:nvPr/>
+        </p:nvPicPr>
+        <p:blipFill>
+          <a:blip r:embed="rId3"/>
+          <a:stretch>
+            <a:fillRect/>
+          </a:stretch>
+        </p:blipFill>
+        <p:spPr>
+          <a:xfrm>
+            <a:off x="4635500" y="2475230"/>
+            <a:ext cx="2675890" cy="1809750"/>
           </a:xfrm>
           <a:prstGeom prst="rect">
             <a:avLst/>
